--- a/slides/King_County_EDA.pptx
+++ b/slides/King_County_EDA.pptx
@@ -842,8 +842,86 @@
           <a:lstStyle/>
           <a:p>
             <a:r>
-              <a:rPr lang="en-US" dirty="0"/>
-              <a:t>For better classification a few facts about King County</a:t>
+              <a:rPr lang="de-DE" dirty="0" err="1"/>
+              <a:t>What</a:t>
+            </a:r>
+            <a:r>
+              <a:rPr lang="de-DE" dirty="0"/>
+              <a:t> </a:t>
+            </a:r>
+            <a:r>
+              <a:rPr lang="de-DE" dirty="0" err="1"/>
+              <a:t>could</a:t>
+            </a:r>
+            <a:r>
+              <a:rPr lang="de-DE" dirty="0"/>
+              <a:t> </a:t>
+            </a:r>
+            <a:r>
+              <a:rPr lang="de-DE" dirty="0" err="1"/>
+              <a:t>you</a:t>
+            </a:r>
+            <a:r>
+              <a:rPr lang="de-DE" dirty="0"/>
+              <a:t> </a:t>
+            </a:r>
+            <a:r>
+              <a:rPr lang="de-DE" dirty="0" err="1"/>
+              <a:t>expect</a:t>
+            </a:r>
+            <a:r>
+              <a:rPr lang="de-DE" dirty="0"/>
+              <a:t> in </a:t>
+            </a:r>
+            <a:r>
+              <a:rPr lang="de-DE" dirty="0" err="1"/>
+              <a:t>the</a:t>
+            </a:r>
+            <a:r>
+              <a:rPr lang="de-DE" dirty="0"/>
+              <a:t> </a:t>
+            </a:r>
+            <a:r>
+              <a:rPr lang="de-DE" dirty="0" err="1"/>
+              <a:t>next</a:t>
+            </a:r>
+            <a:r>
+              <a:rPr lang="de-DE" dirty="0"/>
+              <a:t> </a:t>
+            </a:r>
+            <a:r>
+              <a:rPr lang="de-DE" dirty="0" err="1"/>
+              <a:t>couple</a:t>
+            </a:r>
+            <a:r>
+              <a:rPr lang="de-DE" dirty="0"/>
+              <a:t> </a:t>
+            </a:r>
+            <a:r>
+              <a:rPr lang="de-DE" dirty="0" err="1"/>
+              <a:t>of</a:t>
+            </a:r>
+            <a:r>
+              <a:rPr lang="de-DE" dirty="0"/>
+              <a:t> </a:t>
+            </a:r>
+            <a:r>
+              <a:rPr lang="de-DE" dirty="0" err="1"/>
+              <a:t>minutes</a:t>
+            </a:r>
+            <a:endParaRPr lang="de-DE" dirty="0"/>
+          </a:p>
+          <a:p>
+            <a:endParaRPr lang="de-DE" dirty="0"/>
+          </a:p>
+          <a:p>
+            <a:r>
+              <a:rPr lang="de-DE" dirty="0"/>
+              <a:t>Smooth </a:t>
+            </a:r>
+            <a:r>
+              <a:rPr lang="de-DE" dirty="0" err="1"/>
+              <a:t>transition</a:t>
             </a:r>
             <a:endParaRPr lang="de-DE" dirty="0"/>
           </a:p>
@@ -867,7 +945,7 @@
             <a:fld id="{CC429421-9836-485E-81B7-E48EA1344A80}" type="slidenum">
               <a:rPr lang="ru-RU" altLang="ru-RU" smtClean="0"/>
               <a:pPr/>
-              <a:t>4</a:t>
+              <a:t>2</a:t>
             </a:fld>
             <a:endParaRPr lang="ru-RU" altLang="ru-RU"/>
           </a:p>
@@ -876,7 +954,7 @@
     </p:spTree>
     <p:extLst>
       <p:ext uri="{BB962C8B-B14F-4D97-AF65-F5344CB8AC3E}">
-        <p14:creationId xmlns:p14="http://schemas.microsoft.com/office/powerpoint/2010/main" val="2561079833"/>
+        <p14:creationId xmlns:p14="http://schemas.microsoft.com/office/powerpoint/2010/main" val="4113025676"/>
       </p:ext>
     </p:extLst>
   </p:cSld>
@@ -930,26 +1008,10 @@
           <a:bodyPr/>
           <a:lstStyle/>
           <a:p>
-            <a:pPr marL="171450" indent="-171450">
-              <a:buFontTx/>
-              <a:buChar char="-"/>
-            </a:pPr>
             <a:r>
               <a:rPr lang="en-US" dirty="0"/>
-              <a:t>You will get a better understanding of the real estate market in King County.</a:t>
-            </a:r>
-          </a:p>
-          <a:p>
-            <a:pPr marL="171450" indent="-171450">
-              <a:buFontTx/>
-              <a:buChar char="-"/>
-            </a:pPr>
-            <a:r>
-              <a:rPr lang="en-US" dirty="0"/>
-              <a:t>Learn about </a:t>
-            </a:r>
-          </a:p>
-          <a:p>
+              <a:t>For better classification a few facts about King County</a:t>
+            </a:r>
             <a:endParaRPr lang="de-DE" dirty="0"/>
           </a:p>
         </p:txBody>
@@ -972,7 +1034,7 @@
             <a:fld id="{CC429421-9836-485E-81B7-E48EA1344A80}" type="slidenum">
               <a:rPr lang="ru-RU" altLang="ru-RU" smtClean="0"/>
               <a:pPr/>
-              <a:t>5</a:t>
+              <a:t>4</a:t>
             </a:fld>
             <a:endParaRPr lang="ru-RU" altLang="ru-RU"/>
           </a:p>
@@ -981,7 +1043,7 @@
     </p:spTree>
     <p:extLst>
       <p:ext uri="{BB962C8B-B14F-4D97-AF65-F5344CB8AC3E}">
-        <p14:creationId xmlns:p14="http://schemas.microsoft.com/office/powerpoint/2010/main" val="1443265797"/>
+        <p14:creationId xmlns:p14="http://schemas.microsoft.com/office/powerpoint/2010/main" val="2561079833"/>
       </p:ext>
     </p:extLst>
   </p:cSld>
@@ -1035,676 +1097,34 @@
           <a:bodyPr/>
           <a:lstStyle/>
           <a:p>
+            <a:pPr marL="0" indent="0">
+              <a:buFontTx/>
+              <a:buNone/>
+            </a:pPr>
+            <a:r>
+              <a:rPr lang="en-US" dirty="0"/>
+              <a:t>collected</a:t>
+            </a:r>
+          </a:p>
+          <a:p>
             <a:pPr marL="171450" indent="-171450">
-              <a:lnSpc>
-                <a:spcPct val="150000"/>
-              </a:lnSpc>
-              <a:buFont typeface="Arial" panose="020B0604020202020204" pitchFamily="34" charset="0"/>
-              <a:buChar char="•"/>
+              <a:buFontTx/>
+              <a:buChar char="-"/>
             </a:pPr>
             <a:r>
-              <a:rPr lang="de-DE" sz="1200" dirty="0" err="1">
-                <a:solidFill>
-                  <a:schemeClr val="tx2"/>
-                </a:solidFill>
-              </a:rPr>
-              <a:t>Missing</a:t>
-            </a:r>
-            <a:r>
-              <a:rPr lang="de-DE" sz="1200" dirty="0">
-                <a:solidFill>
-                  <a:schemeClr val="tx2"/>
-                </a:solidFill>
-              </a:rPr>
-              <a:t> feature </a:t>
-            </a:r>
-            <a:r>
-              <a:rPr lang="de-DE" sz="1200" dirty="0" err="1">
-                <a:solidFill>
-                  <a:schemeClr val="tx2"/>
-                </a:solidFill>
-              </a:rPr>
-              <a:t>characteristics</a:t>
-            </a:r>
-            <a:r>
-              <a:rPr lang="de-DE" sz="1200" dirty="0">
-                <a:solidFill>
-                  <a:schemeClr val="tx2"/>
-                </a:solidFill>
-              </a:rPr>
-              <a:t> (i.e. 3,842 </a:t>
-            </a:r>
-            <a:r>
-              <a:rPr lang="de-DE" sz="1200" dirty="0" err="1">
-                <a:solidFill>
-                  <a:schemeClr val="tx2"/>
-                </a:solidFill>
-              </a:rPr>
-              <a:t>yr_renovated</a:t>
-            </a:r>
-            <a:r>
-              <a:rPr lang="de-DE" sz="1200" dirty="0">
-                <a:solidFill>
-                  <a:schemeClr val="tx2"/>
-                </a:solidFill>
-              </a:rPr>
-              <a:t>)</a:t>
+              <a:rPr lang="en-US" dirty="0"/>
+              <a:t>You will get a better understanding of the real estate market in King County.</a:t>
             </a:r>
           </a:p>
           <a:p>
             <a:pPr marL="171450" indent="-171450">
-              <a:lnSpc>
-                <a:spcPct val="150000"/>
-              </a:lnSpc>
-              <a:buFont typeface="Arial" panose="020B0604020202020204" pitchFamily="34" charset="0"/>
-              <a:buChar char="•"/>
+              <a:buFontTx/>
+              <a:buChar char="-"/>
             </a:pPr>
             <a:r>
-              <a:rPr lang="de-DE" sz="1200" dirty="0" err="1">
-                <a:solidFill>
-                  <a:schemeClr val="tx2"/>
-                </a:solidFill>
-              </a:rPr>
-              <a:t>For</a:t>
-            </a:r>
-            <a:r>
-              <a:rPr lang="de-DE" sz="1200" dirty="0">
-                <a:solidFill>
-                  <a:schemeClr val="tx2"/>
-                </a:solidFill>
-              </a:rPr>
-              <a:t> </a:t>
-            </a:r>
-            <a:r>
-              <a:rPr lang="de-DE" sz="1200" dirty="0" err="1">
-                <a:solidFill>
-                  <a:schemeClr val="tx2"/>
-                </a:solidFill>
-              </a:rPr>
-              <a:t>example</a:t>
-            </a:r>
-            <a:r>
-              <a:rPr lang="de-DE" sz="1200" dirty="0">
-                <a:solidFill>
-                  <a:schemeClr val="tx2"/>
-                </a:solidFill>
-              </a:rPr>
-              <a:t>  </a:t>
-            </a:r>
-            <a:r>
-              <a:rPr lang="de-DE" sz="1200" dirty="0" err="1">
-                <a:solidFill>
-                  <a:schemeClr val="tx2"/>
-                </a:solidFill>
-              </a:rPr>
-              <a:t>entries</a:t>
-            </a:r>
-            <a:r>
-              <a:rPr lang="de-DE" sz="1200" dirty="0">
-                <a:solidFill>
-                  <a:schemeClr val="tx2"/>
-                </a:solidFill>
-              </a:rPr>
-              <a:t> </a:t>
-            </a:r>
-            <a:r>
-              <a:rPr lang="de-DE" sz="1200" dirty="0" err="1">
-                <a:solidFill>
-                  <a:schemeClr val="tx2"/>
-                </a:solidFill>
-              </a:rPr>
-              <a:t>where</a:t>
-            </a:r>
-            <a:r>
-              <a:rPr lang="de-DE" sz="1200" dirty="0">
-                <a:solidFill>
-                  <a:schemeClr val="tx2"/>
-                </a:solidFill>
-              </a:rPr>
-              <a:t> </a:t>
-            </a:r>
-            <a:r>
-              <a:rPr lang="de-DE" sz="1200" dirty="0" err="1">
-                <a:solidFill>
-                  <a:schemeClr val="tx2"/>
-                </a:solidFill>
-              </a:rPr>
-              <a:t>the</a:t>
-            </a:r>
-            <a:r>
-              <a:rPr lang="de-DE" sz="1200" dirty="0">
-                <a:solidFill>
-                  <a:schemeClr val="tx2"/>
-                </a:solidFill>
-              </a:rPr>
-              <a:t> </a:t>
-            </a:r>
-            <a:r>
-              <a:rPr lang="de-DE" sz="1200" dirty="0" err="1">
-                <a:solidFill>
-                  <a:schemeClr val="tx2"/>
-                </a:solidFill>
-              </a:rPr>
-              <a:t>suqare</a:t>
-            </a:r>
-            <a:r>
-              <a:rPr lang="de-DE" sz="1200" dirty="0">
-                <a:solidFill>
-                  <a:schemeClr val="tx2"/>
-                </a:solidFill>
-              </a:rPr>
-              <a:t> </a:t>
-            </a:r>
-            <a:r>
-              <a:rPr lang="de-DE" sz="1200" dirty="0" err="1">
-                <a:solidFill>
-                  <a:schemeClr val="tx2"/>
-                </a:solidFill>
-              </a:rPr>
-              <a:t>footage</a:t>
-            </a:r>
-            <a:r>
-              <a:rPr lang="de-DE" sz="1200" dirty="0">
-                <a:solidFill>
-                  <a:schemeClr val="tx2"/>
-                </a:solidFill>
-              </a:rPr>
-              <a:t> </a:t>
-            </a:r>
-            <a:r>
-              <a:rPr lang="de-DE" sz="1200" dirty="0" err="1">
-                <a:solidFill>
-                  <a:schemeClr val="tx2"/>
-                </a:solidFill>
-              </a:rPr>
-              <a:t>of</a:t>
-            </a:r>
-            <a:r>
-              <a:rPr lang="de-DE" sz="1200" dirty="0">
-                <a:solidFill>
-                  <a:schemeClr val="tx2"/>
-                </a:solidFill>
-              </a:rPr>
-              <a:t> </a:t>
-            </a:r>
-            <a:r>
-              <a:rPr lang="de-DE" sz="1200" dirty="0" err="1">
-                <a:solidFill>
-                  <a:schemeClr val="tx2"/>
-                </a:solidFill>
-              </a:rPr>
-              <a:t>the</a:t>
-            </a:r>
-            <a:r>
-              <a:rPr lang="de-DE" sz="1200" dirty="0">
-                <a:solidFill>
-                  <a:schemeClr val="tx2"/>
-                </a:solidFill>
-              </a:rPr>
-              <a:t> </a:t>
-            </a:r>
-            <a:r>
-              <a:rPr lang="de-DE" sz="1200" dirty="0" err="1">
-                <a:solidFill>
-                  <a:schemeClr val="tx2"/>
-                </a:solidFill>
-              </a:rPr>
-              <a:t>living</a:t>
-            </a:r>
-            <a:r>
-              <a:rPr lang="de-DE" sz="1200" dirty="0">
-                <a:solidFill>
-                  <a:schemeClr val="tx2"/>
-                </a:solidFill>
-              </a:rPr>
-              <a:t> </a:t>
-            </a:r>
-            <a:r>
-              <a:rPr lang="de-DE" sz="1200" dirty="0" err="1">
-                <a:solidFill>
-                  <a:schemeClr val="tx2"/>
-                </a:solidFill>
-              </a:rPr>
-              <a:t>is</a:t>
-            </a:r>
-            <a:r>
-              <a:rPr lang="de-DE" sz="1200" dirty="0">
-                <a:solidFill>
-                  <a:schemeClr val="tx2"/>
-                </a:solidFill>
-              </a:rPr>
-              <a:t> </a:t>
-            </a:r>
-            <a:r>
-              <a:rPr lang="de-DE" sz="1200" dirty="0" err="1">
-                <a:solidFill>
-                  <a:schemeClr val="tx2"/>
-                </a:solidFill>
-              </a:rPr>
-              <a:t>bigger</a:t>
-            </a:r>
-            <a:r>
-              <a:rPr lang="de-DE" sz="1200" dirty="0">
-                <a:solidFill>
-                  <a:schemeClr val="tx2"/>
-                </a:solidFill>
-              </a:rPr>
-              <a:t> </a:t>
-            </a:r>
-            <a:r>
-              <a:rPr lang="de-DE" sz="1200" dirty="0" err="1">
-                <a:solidFill>
-                  <a:schemeClr val="tx2"/>
-                </a:solidFill>
-              </a:rPr>
-              <a:t>than</a:t>
-            </a:r>
-            <a:r>
-              <a:rPr lang="de-DE" sz="1200" dirty="0">
-                <a:solidFill>
-                  <a:schemeClr val="tx2"/>
-                </a:solidFill>
-              </a:rPr>
-              <a:t> </a:t>
-            </a:r>
-            <a:r>
-              <a:rPr lang="de-DE" sz="1200" dirty="0" err="1">
-                <a:solidFill>
-                  <a:schemeClr val="tx2"/>
-                </a:solidFill>
-              </a:rPr>
-              <a:t>the</a:t>
-            </a:r>
-            <a:r>
-              <a:rPr lang="de-DE" sz="1200" dirty="0">
-                <a:solidFill>
-                  <a:schemeClr val="tx2"/>
-                </a:solidFill>
-              </a:rPr>
-              <a:t> </a:t>
-            </a:r>
-            <a:r>
-              <a:rPr lang="de-DE" sz="1200" dirty="0" err="1">
-                <a:solidFill>
-                  <a:schemeClr val="tx2"/>
-                </a:solidFill>
-              </a:rPr>
-              <a:t>square</a:t>
-            </a:r>
-            <a:r>
-              <a:rPr lang="de-DE" sz="1200" dirty="0">
-                <a:solidFill>
-                  <a:schemeClr val="tx2"/>
-                </a:solidFill>
-              </a:rPr>
-              <a:t> </a:t>
-            </a:r>
-            <a:r>
-              <a:rPr lang="de-DE" sz="1200" dirty="0" err="1">
-                <a:solidFill>
-                  <a:schemeClr val="tx2"/>
-                </a:solidFill>
-              </a:rPr>
-              <a:t>footage</a:t>
-            </a:r>
-            <a:r>
-              <a:rPr lang="de-DE" sz="1200" dirty="0">
-                <a:solidFill>
-                  <a:schemeClr val="tx2"/>
-                </a:solidFill>
-              </a:rPr>
-              <a:t> </a:t>
-            </a:r>
-            <a:r>
-              <a:rPr lang="de-DE" sz="1200" dirty="0" err="1">
-                <a:solidFill>
-                  <a:schemeClr val="tx2"/>
-                </a:solidFill>
-              </a:rPr>
-              <a:t>of</a:t>
-            </a:r>
-            <a:r>
-              <a:rPr lang="de-DE" sz="1200" dirty="0">
-                <a:solidFill>
-                  <a:schemeClr val="tx2"/>
-                </a:solidFill>
-              </a:rPr>
-              <a:t> </a:t>
-            </a:r>
-            <a:r>
-              <a:rPr lang="de-DE" sz="1200" dirty="0" err="1">
-                <a:solidFill>
-                  <a:schemeClr val="tx2"/>
-                </a:solidFill>
-              </a:rPr>
-              <a:t>the</a:t>
-            </a:r>
-            <a:r>
-              <a:rPr lang="de-DE" sz="1200" dirty="0">
-                <a:solidFill>
-                  <a:schemeClr val="tx2"/>
-                </a:solidFill>
-              </a:rPr>
-              <a:t> </a:t>
-            </a:r>
-            <a:r>
-              <a:rPr lang="de-DE" sz="1200" dirty="0" err="1">
-                <a:solidFill>
-                  <a:schemeClr val="tx2"/>
-                </a:solidFill>
-              </a:rPr>
-              <a:t>lot</a:t>
-            </a:r>
-            <a:r>
-              <a:rPr lang="de-DE" sz="1200" dirty="0">
-                <a:solidFill>
-                  <a:schemeClr val="tx2"/>
-                </a:solidFill>
-              </a:rPr>
-              <a:t> (and </a:t>
-            </a:r>
-            <a:r>
-              <a:rPr lang="de-DE" sz="1200" dirty="0" err="1">
-                <a:solidFill>
-                  <a:schemeClr val="tx2"/>
-                </a:solidFill>
-              </a:rPr>
-              <a:t>the</a:t>
-            </a:r>
-            <a:r>
-              <a:rPr lang="de-DE" sz="1200" dirty="0">
-                <a:solidFill>
-                  <a:schemeClr val="tx2"/>
-                </a:solidFill>
-              </a:rPr>
-              <a:t> </a:t>
-            </a:r>
-            <a:r>
-              <a:rPr lang="de-DE" sz="1200" dirty="0" err="1">
-                <a:solidFill>
-                  <a:schemeClr val="tx2"/>
-                </a:solidFill>
-              </a:rPr>
-              <a:t>property</a:t>
-            </a:r>
-            <a:r>
-              <a:rPr lang="de-DE" sz="1200" dirty="0">
-                <a:solidFill>
-                  <a:schemeClr val="tx2"/>
-                </a:solidFill>
-              </a:rPr>
-              <a:t> </a:t>
-            </a:r>
-            <a:r>
-              <a:rPr lang="de-DE" sz="1200" dirty="0" err="1">
-                <a:solidFill>
-                  <a:schemeClr val="tx2"/>
-                </a:solidFill>
-              </a:rPr>
-              <a:t>is</a:t>
-            </a:r>
-            <a:r>
-              <a:rPr lang="de-DE" sz="1200" dirty="0">
-                <a:solidFill>
-                  <a:schemeClr val="tx2"/>
-                </a:solidFill>
-              </a:rPr>
-              <a:t> not </a:t>
-            </a:r>
-            <a:r>
-              <a:rPr lang="de-DE" sz="1200" dirty="0" err="1">
-                <a:solidFill>
-                  <a:schemeClr val="tx2"/>
-                </a:solidFill>
-              </a:rPr>
-              <a:t>about</a:t>
-            </a:r>
-            <a:r>
-              <a:rPr lang="de-DE" sz="1200" dirty="0">
-                <a:solidFill>
-                  <a:schemeClr val="tx2"/>
-                </a:solidFill>
-              </a:rPr>
-              <a:t> </a:t>
-            </a:r>
-            <a:r>
-              <a:rPr lang="de-DE" sz="1200" dirty="0" err="1">
-                <a:solidFill>
-                  <a:schemeClr val="tx2"/>
-                </a:solidFill>
-              </a:rPr>
-              <a:t>two</a:t>
-            </a:r>
-            <a:r>
-              <a:rPr lang="de-DE" sz="1200" dirty="0">
-                <a:solidFill>
-                  <a:schemeClr val="tx2"/>
-                </a:solidFill>
-              </a:rPr>
-              <a:t> </a:t>
-            </a:r>
-            <a:r>
-              <a:rPr lang="de-DE" sz="1200" dirty="0" err="1">
-                <a:solidFill>
-                  <a:schemeClr val="tx2"/>
-                </a:solidFill>
-              </a:rPr>
-              <a:t>or</a:t>
-            </a:r>
-            <a:r>
-              <a:rPr lang="de-DE" sz="1200" dirty="0">
-                <a:solidFill>
-                  <a:schemeClr val="tx2"/>
-                </a:solidFill>
-              </a:rPr>
-              <a:t> </a:t>
-            </a:r>
-            <a:r>
-              <a:rPr lang="de-DE" sz="1200" dirty="0" err="1">
-                <a:solidFill>
-                  <a:schemeClr val="tx2"/>
-                </a:solidFill>
-              </a:rPr>
-              <a:t>more</a:t>
-            </a:r>
-            <a:r>
-              <a:rPr lang="de-DE" sz="1200" dirty="0">
-                <a:solidFill>
-                  <a:schemeClr val="tx2"/>
-                </a:solidFill>
-              </a:rPr>
-              <a:t> </a:t>
-            </a:r>
-            <a:r>
-              <a:rPr lang="de-DE" sz="1200" dirty="0" err="1">
-                <a:solidFill>
-                  <a:schemeClr val="tx2"/>
-                </a:solidFill>
-              </a:rPr>
-              <a:t>floors</a:t>
-            </a:r>
-            <a:r>
-              <a:rPr lang="de-DE" sz="1200" dirty="0">
-                <a:solidFill>
-                  <a:schemeClr val="tx2"/>
-                </a:solidFill>
-              </a:rPr>
-              <a:t>)</a:t>
-            </a:r>
-          </a:p>
-          <a:p>
-            <a:pPr marL="171450" indent="-171450">
-              <a:lnSpc>
-                <a:spcPct val="150000"/>
-              </a:lnSpc>
-              <a:buFont typeface="Arial" panose="020B0604020202020204" pitchFamily="34" charset="0"/>
-              <a:buChar char="•"/>
-            </a:pPr>
-            <a:r>
-              <a:rPr lang="de-DE" sz="1200" dirty="0" err="1">
-                <a:solidFill>
-                  <a:schemeClr val="tx2"/>
-                </a:solidFill>
-              </a:rPr>
-              <a:t>There</a:t>
-            </a:r>
-            <a:r>
-              <a:rPr lang="de-DE" sz="1200" dirty="0">
-                <a:solidFill>
-                  <a:schemeClr val="tx2"/>
-                </a:solidFill>
-              </a:rPr>
-              <a:t> </a:t>
-            </a:r>
-            <a:r>
-              <a:rPr lang="de-DE" sz="1200" dirty="0" err="1">
-                <a:solidFill>
-                  <a:schemeClr val="tx2"/>
-                </a:solidFill>
-              </a:rPr>
-              <a:t>are</a:t>
-            </a:r>
-            <a:r>
-              <a:rPr lang="de-DE" sz="1200" dirty="0">
-                <a:solidFill>
-                  <a:schemeClr val="tx2"/>
-                </a:solidFill>
-              </a:rPr>
-              <a:t> </a:t>
-            </a:r>
-            <a:r>
-              <a:rPr lang="de-DE" sz="1200" dirty="0" err="1">
-                <a:solidFill>
-                  <a:schemeClr val="tx2"/>
-                </a:solidFill>
-              </a:rPr>
-              <a:t>only</a:t>
-            </a:r>
-            <a:r>
-              <a:rPr lang="de-DE" sz="1200" dirty="0">
-                <a:solidFill>
-                  <a:schemeClr val="tx2"/>
-                </a:solidFill>
-              </a:rPr>
-              <a:t> 744 </a:t>
-            </a:r>
-            <a:r>
-              <a:rPr lang="de-DE" sz="1200" dirty="0" err="1">
-                <a:solidFill>
-                  <a:schemeClr val="tx2"/>
-                </a:solidFill>
-              </a:rPr>
-              <a:t>entries</a:t>
-            </a:r>
-            <a:r>
-              <a:rPr lang="de-DE" sz="1200" dirty="0">
-                <a:solidFill>
-                  <a:schemeClr val="tx2"/>
-                </a:solidFill>
-              </a:rPr>
-              <a:t> </a:t>
-            </a:r>
-            <a:r>
-              <a:rPr lang="de-DE" sz="1200" dirty="0" err="1">
-                <a:solidFill>
-                  <a:schemeClr val="tx2"/>
-                </a:solidFill>
-              </a:rPr>
-              <a:t>for</a:t>
-            </a:r>
-            <a:r>
-              <a:rPr lang="de-DE" sz="1200" dirty="0">
-                <a:solidFill>
-                  <a:schemeClr val="tx2"/>
-                </a:solidFill>
-              </a:rPr>
-              <a:t> </a:t>
-            </a:r>
-            <a:r>
-              <a:rPr lang="de-DE" sz="1200" dirty="0" err="1">
-                <a:solidFill>
-                  <a:schemeClr val="tx2"/>
-                </a:solidFill>
-              </a:rPr>
-              <a:t>renovation</a:t>
-            </a:r>
-            <a:r>
-              <a:rPr lang="de-DE" sz="1200" dirty="0">
-                <a:solidFill>
-                  <a:schemeClr val="tx2"/>
-                </a:solidFill>
-              </a:rPr>
-              <a:t> </a:t>
-            </a:r>
-            <a:r>
-              <a:rPr lang="de-DE" sz="1200" dirty="0" err="1">
-                <a:solidFill>
-                  <a:schemeClr val="tx2"/>
-                </a:solidFill>
-              </a:rPr>
-              <a:t>year</a:t>
-            </a:r>
-            <a:endParaRPr lang="de-DE" sz="1200" dirty="0">
-              <a:solidFill>
-                <a:schemeClr val="tx2"/>
-              </a:solidFill>
-            </a:endParaRPr>
-          </a:p>
-          <a:p>
-            <a:pPr marL="171450" indent="-171450">
-              <a:lnSpc>
-                <a:spcPct val="150000"/>
-              </a:lnSpc>
-              <a:buFont typeface="Arial" panose="020B0604020202020204" pitchFamily="34" charset="0"/>
-              <a:buChar char="•"/>
-            </a:pPr>
-            <a:endParaRPr lang="de-DE" sz="1200" dirty="0">
-              <a:solidFill>
-                <a:schemeClr val="tx2"/>
-              </a:solidFill>
-            </a:endParaRPr>
-          </a:p>
-          <a:p>
-            <a:pPr marL="171450" indent="-171450">
-              <a:lnSpc>
-                <a:spcPct val="150000"/>
-              </a:lnSpc>
-              <a:buFont typeface="Arial" panose="020B0604020202020204" pitchFamily="34" charset="0"/>
-              <a:buChar char="•"/>
-            </a:pPr>
-            <a:endParaRPr lang="de-DE" sz="1200" dirty="0">
-              <a:solidFill>
-                <a:schemeClr val="tx2"/>
-              </a:solidFill>
-            </a:endParaRPr>
-          </a:p>
-          <a:p>
-            <a:pPr marL="171450" indent="-171450">
-              <a:lnSpc>
-                <a:spcPct val="150000"/>
-              </a:lnSpc>
-              <a:buFont typeface="Arial" panose="020B0604020202020204" pitchFamily="34" charset="0"/>
-              <a:buChar char="•"/>
-            </a:pPr>
-            <a:endParaRPr lang="de-DE" sz="1200" dirty="0">
-              <a:solidFill>
-                <a:schemeClr val="tx2"/>
-              </a:solidFill>
-            </a:endParaRPr>
-          </a:p>
-          <a:p>
-            <a:pPr marL="171450" indent="-171450">
-              <a:lnSpc>
-                <a:spcPct val="150000"/>
-              </a:lnSpc>
-              <a:buFont typeface="Arial" panose="020B0604020202020204" pitchFamily="34" charset="0"/>
-              <a:buChar char="•"/>
-            </a:pPr>
-            <a:endParaRPr lang="de-DE" sz="1200" dirty="0">
-              <a:solidFill>
-                <a:schemeClr val="tx2"/>
-              </a:solidFill>
-            </a:endParaRPr>
+              <a:rPr lang="en-US" dirty="0"/>
+              <a:t>Learn about </a:t>
+            </a:r>
           </a:p>
           <a:p>
             <a:endParaRPr lang="de-DE" dirty="0"/>
@@ -1729,7 +1149,7 @@
             <a:fld id="{CC429421-9836-485E-81B7-E48EA1344A80}" type="slidenum">
               <a:rPr lang="ru-RU" altLang="ru-RU" smtClean="0"/>
               <a:pPr/>
-              <a:t>6</a:t>
+              <a:t>5</a:t>
             </a:fld>
             <a:endParaRPr lang="ru-RU" altLang="ru-RU"/>
           </a:p>
@@ -1738,7 +1158,7 @@
     </p:spTree>
     <p:extLst>
       <p:ext uri="{BB962C8B-B14F-4D97-AF65-F5344CB8AC3E}">
-        <p14:creationId xmlns:p14="http://schemas.microsoft.com/office/powerpoint/2010/main" val="2782268874"/>
+        <p14:creationId xmlns:p14="http://schemas.microsoft.com/office/powerpoint/2010/main" val="1443265797"/>
       </p:ext>
     </p:extLst>
   </p:cSld>
@@ -1792,6 +1212,811 @@
           <a:bodyPr/>
           <a:lstStyle/>
           <a:p>
+            <a:pPr marL="0" indent="0">
+              <a:lnSpc>
+                <a:spcPct val="150000"/>
+              </a:lnSpc>
+              <a:buFont typeface="Arial" panose="020B0604020202020204" pitchFamily="34" charset="0"/>
+              <a:buNone/>
+            </a:pPr>
+            <a:r>
+              <a:rPr lang="de-DE" sz="1200" dirty="0" err="1">
+                <a:solidFill>
+                  <a:schemeClr val="tx2"/>
+                </a:solidFill>
+              </a:rPr>
+              <a:t>address</a:t>
+            </a:r>
+            <a:endParaRPr lang="de-DE" sz="1200" dirty="0">
+              <a:solidFill>
+                <a:schemeClr val="tx2"/>
+              </a:solidFill>
+            </a:endParaRPr>
+          </a:p>
+          <a:p>
+            <a:pPr marL="171450" indent="-171450">
+              <a:lnSpc>
+                <a:spcPct val="150000"/>
+              </a:lnSpc>
+              <a:buFont typeface="Arial" panose="020B0604020202020204" pitchFamily="34" charset="0"/>
+              <a:buChar char="•"/>
+            </a:pPr>
+            <a:r>
+              <a:rPr lang="de-DE" sz="1200" dirty="0" err="1">
+                <a:solidFill>
+                  <a:schemeClr val="tx2"/>
+                </a:solidFill>
+              </a:rPr>
+              <a:t>Missing</a:t>
+            </a:r>
+            <a:r>
+              <a:rPr lang="de-DE" sz="1200" dirty="0">
+                <a:solidFill>
+                  <a:schemeClr val="tx2"/>
+                </a:solidFill>
+              </a:rPr>
+              <a:t> feature </a:t>
+            </a:r>
+            <a:r>
+              <a:rPr lang="de-DE" sz="1200" dirty="0" err="1">
+                <a:solidFill>
+                  <a:schemeClr val="tx2"/>
+                </a:solidFill>
+              </a:rPr>
+              <a:t>characteristics</a:t>
+            </a:r>
+            <a:r>
+              <a:rPr lang="de-DE" sz="1200" dirty="0">
+                <a:solidFill>
+                  <a:schemeClr val="tx2"/>
+                </a:solidFill>
+              </a:rPr>
+              <a:t> (i.e. 3,842 </a:t>
+            </a:r>
+            <a:r>
+              <a:rPr lang="de-DE" sz="1200" dirty="0" err="1">
+                <a:solidFill>
+                  <a:schemeClr val="tx2"/>
+                </a:solidFill>
+              </a:rPr>
+              <a:t>yr_renovated</a:t>
+            </a:r>
+            <a:r>
+              <a:rPr lang="de-DE" sz="1200" dirty="0">
+                <a:solidFill>
+                  <a:schemeClr val="tx2"/>
+                </a:solidFill>
+              </a:rPr>
+              <a:t>)</a:t>
+            </a:r>
+          </a:p>
+          <a:p>
+            <a:pPr marL="171450" indent="-171450">
+              <a:lnSpc>
+                <a:spcPct val="150000"/>
+              </a:lnSpc>
+              <a:buFont typeface="Arial" panose="020B0604020202020204" pitchFamily="34" charset="0"/>
+              <a:buChar char="•"/>
+            </a:pPr>
+            <a:r>
+              <a:rPr lang="de-DE" sz="1200" dirty="0" err="1">
+                <a:solidFill>
+                  <a:schemeClr val="tx2"/>
+                </a:solidFill>
+              </a:rPr>
+              <a:t>For</a:t>
+            </a:r>
+            <a:r>
+              <a:rPr lang="de-DE" sz="1200" dirty="0">
+                <a:solidFill>
+                  <a:schemeClr val="tx2"/>
+                </a:solidFill>
+              </a:rPr>
+              <a:t> </a:t>
+            </a:r>
+            <a:r>
+              <a:rPr lang="de-DE" sz="1200" dirty="0" err="1">
+                <a:solidFill>
+                  <a:schemeClr val="tx2"/>
+                </a:solidFill>
+              </a:rPr>
+              <a:t>example</a:t>
+            </a:r>
+            <a:r>
+              <a:rPr lang="de-DE" sz="1200" dirty="0">
+                <a:solidFill>
+                  <a:schemeClr val="tx2"/>
+                </a:solidFill>
+              </a:rPr>
+              <a:t>  </a:t>
+            </a:r>
+            <a:r>
+              <a:rPr lang="de-DE" sz="1200" dirty="0" err="1">
+                <a:solidFill>
+                  <a:schemeClr val="tx2"/>
+                </a:solidFill>
+              </a:rPr>
+              <a:t>entries</a:t>
+            </a:r>
+            <a:r>
+              <a:rPr lang="de-DE" sz="1200" dirty="0">
+                <a:solidFill>
+                  <a:schemeClr val="tx2"/>
+                </a:solidFill>
+              </a:rPr>
+              <a:t> </a:t>
+            </a:r>
+            <a:r>
+              <a:rPr lang="de-DE" sz="1200" dirty="0" err="1">
+                <a:solidFill>
+                  <a:schemeClr val="tx2"/>
+                </a:solidFill>
+              </a:rPr>
+              <a:t>where</a:t>
+            </a:r>
+            <a:r>
+              <a:rPr lang="de-DE" sz="1200" dirty="0">
+                <a:solidFill>
+                  <a:schemeClr val="tx2"/>
+                </a:solidFill>
+              </a:rPr>
+              <a:t> </a:t>
+            </a:r>
+            <a:r>
+              <a:rPr lang="de-DE" sz="1200" dirty="0" err="1">
+                <a:solidFill>
+                  <a:schemeClr val="tx2"/>
+                </a:solidFill>
+              </a:rPr>
+              <a:t>the</a:t>
+            </a:r>
+            <a:r>
+              <a:rPr lang="de-DE" sz="1200" dirty="0">
+                <a:solidFill>
+                  <a:schemeClr val="tx2"/>
+                </a:solidFill>
+              </a:rPr>
+              <a:t> </a:t>
+            </a:r>
+            <a:r>
+              <a:rPr lang="de-DE" sz="1200" dirty="0" err="1">
+                <a:solidFill>
+                  <a:schemeClr val="tx2"/>
+                </a:solidFill>
+              </a:rPr>
+              <a:t>suqare</a:t>
+            </a:r>
+            <a:r>
+              <a:rPr lang="de-DE" sz="1200" dirty="0">
+                <a:solidFill>
+                  <a:schemeClr val="tx2"/>
+                </a:solidFill>
+              </a:rPr>
+              <a:t> </a:t>
+            </a:r>
+            <a:r>
+              <a:rPr lang="de-DE" sz="1200" dirty="0" err="1">
+                <a:solidFill>
+                  <a:schemeClr val="tx2"/>
+                </a:solidFill>
+              </a:rPr>
+              <a:t>footage</a:t>
+            </a:r>
+            <a:r>
+              <a:rPr lang="de-DE" sz="1200" dirty="0">
+                <a:solidFill>
+                  <a:schemeClr val="tx2"/>
+                </a:solidFill>
+              </a:rPr>
+              <a:t> </a:t>
+            </a:r>
+            <a:r>
+              <a:rPr lang="de-DE" sz="1200" dirty="0" err="1">
+                <a:solidFill>
+                  <a:schemeClr val="tx2"/>
+                </a:solidFill>
+              </a:rPr>
+              <a:t>of</a:t>
+            </a:r>
+            <a:r>
+              <a:rPr lang="de-DE" sz="1200" dirty="0">
+                <a:solidFill>
+                  <a:schemeClr val="tx2"/>
+                </a:solidFill>
+              </a:rPr>
+              <a:t> </a:t>
+            </a:r>
+            <a:r>
+              <a:rPr lang="de-DE" sz="1200" dirty="0" err="1">
+                <a:solidFill>
+                  <a:schemeClr val="tx2"/>
+                </a:solidFill>
+              </a:rPr>
+              <a:t>the</a:t>
+            </a:r>
+            <a:r>
+              <a:rPr lang="de-DE" sz="1200" dirty="0">
+                <a:solidFill>
+                  <a:schemeClr val="tx2"/>
+                </a:solidFill>
+              </a:rPr>
+              <a:t> </a:t>
+            </a:r>
+            <a:r>
+              <a:rPr lang="de-DE" sz="1200" dirty="0" err="1">
+                <a:solidFill>
+                  <a:schemeClr val="tx2"/>
+                </a:solidFill>
+              </a:rPr>
+              <a:t>living</a:t>
+            </a:r>
+            <a:r>
+              <a:rPr lang="de-DE" sz="1200" dirty="0">
+                <a:solidFill>
+                  <a:schemeClr val="tx2"/>
+                </a:solidFill>
+              </a:rPr>
+              <a:t> </a:t>
+            </a:r>
+            <a:r>
+              <a:rPr lang="de-DE" sz="1200" dirty="0" err="1">
+                <a:solidFill>
+                  <a:schemeClr val="tx2"/>
+                </a:solidFill>
+              </a:rPr>
+              <a:t>is</a:t>
+            </a:r>
+            <a:r>
+              <a:rPr lang="de-DE" sz="1200" dirty="0">
+                <a:solidFill>
+                  <a:schemeClr val="tx2"/>
+                </a:solidFill>
+              </a:rPr>
+              <a:t> </a:t>
+            </a:r>
+            <a:r>
+              <a:rPr lang="de-DE" sz="1200" dirty="0" err="1">
+                <a:solidFill>
+                  <a:schemeClr val="tx2"/>
+                </a:solidFill>
+              </a:rPr>
+              <a:t>bigger</a:t>
+            </a:r>
+            <a:r>
+              <a:rPr lang="de-DE" sz="1200" dirty="0">
+                <a:solidFill>
+                  <a:schemeClr val="tx2"/>
+                </a:solidFill>
+              </a:rPr>
+              <a:t> </a:t>
+            </a:r>
+            <a:r>
+              <a:rPr lang="de-DE" sz="1200" dirty="0" err="1">
+                <a:solidFill>
+                  <a:schemeClr val="tx2"/>
+                </a:solidFill>
+              </a:rPr>
+              <a:t>than</a:t>
+            </a:r>
+            <a:r>
+              <a:rPr lang="de-DE" sz="1200" dirty="0">
+                <a:solidFill>
+                  <a:schemeClr val="tx2"/>
+                </a:solidFill>
+              </a:rPr>
+              <a:t> </a:t>
+            </a:r>
+            <a:r>
+              <a:rPr lang="de-DE" sz="1200" dirty="0" err="1">
+                <a:solidFill>
+                  <a:schemeClr val="tx2"/>
+                </a:solidFill>
+              </a:rPr>
+              <a:t>the</a:t>
+            </a:r>
+            <a:r>
+              <a:rPr lang="de-DE" sz="1200" dirty="0">
+                <a:solidFill>
+                  <a:schemeClr val="tx2"/>
+                </a:solidFill>
+              </a:rPr>
+              <a:t> </a:t>
+            </a:r>
+            <a:r>
+              <a:rPr lang="de-DE" sz="1200" dirty="0" err="1">
+                <a:solidFill>
+                  <a:schemeClr val="tx2"/>
+                </a:solidFill>
+              </a:rPr>
+              <a:t>square</a:t>
+            </a:r>
+            <a:r>
+              <a:rPr lang="de-DE" sz="1200" dirty="0">
+                <a:solidFill>
+                  <a:schemeClr val="tx2"/>
+                </a:solidFill>
+              </a:rPr>
+              <a:t> </a:t>
+            </a:r>
+            <a:r>
+              <a:rPr lang="de-DE" sz="1200" dirty="0" err="1">
+                <a:solidFill>
+                  <a:schemeClr val="tx2"/>
+                </a:solidFill>
+              </a:rPr>
+              <a:t>footage</a:t>
+            </a:r>
+            <a:r>
+              <a:rPr lang="de-DE" sz="1200" dirty="0">
+                <a:solidFill>
+                  <a:schemeClr val="tx2"/>
+                </a:solidFill>
+              </a:rPr>
+              <a:t> </a:t>
+            </a:r>
+            <a:r>
+              <a:rPr lang="de-DE" sz="1200" dirty="0" err="1">
+                <a:solidFill>
+                  <a:schemeClr val="tx2"/>
+                </a:solidFill>
+              </a:rPr>
+              <a:t>of</a:t>
+            </a:r>
+            <a:r>
+              <a:rPr lang="de-DE" sz="1200" dirty="0">
+                <a:solidFill>
+                  <a:schemeClr val="tx2"/>
+                </a:solidFill>
+              </a:rPr>
+              <a:t> </a:t>
+            </a:r>
+            <a:r>
+              <a:rPr lang="de-DE" sz="1200" dirty="0" err="1">
+                <a:solidFill>
+                  <a:schemeClr val="tx2"/>
+                </a:solidFill>
+              </a:rPr>
+              <a:t>the</a:t>
+            </a:r>
+            <a:r>
+              <a:rPr lang="de-DE" sz="1200" dirty="0">
+                <a:solidFill>
+                  <a:schemeClr val="tx2"/>
+                </a:solidFill>
+              </a:rPr>
+              <a:t> </a:t>
+            </a:r>
+            <a:r>
+              <a:rPr lang="de-DE" sz="1200" dirty="0" err="1">
+                <a:solidFill>
+                  <a:schemeClr val="tx2"/>
+                </a:solidFill>
+              </a:rPr>
+              <a:t>lot</a:t>
+            </a:r>
+            <a:r>
+              <a:rPr lang="de-DE" sz="1200" dirty="0">
+                <a:solidFill>
+                  <a:schemeClr val="tx2"/>
+                </a:solidFill>
+              </a:rPr>
+              <a:t> (and </a:t>
+            </a:r>
+            <a:r>
+              <a:rPr lang="de-DE" sz="1200" dirty="0" err="1">
+                <a:solidFill>
+                  <a:schemeClr val="tx2"/>
+                </a:solidFill>
+              </a:rPr>
+              <a:t>the</a:t>
+            </a:r>
+            <a:r>
+              <a:rPr lang="de-DE" sz="1200" dirty="0">
+                <a:solidFill>
+                  <a:schemeClr val="tx2"/>
+                </a:solidFill>
+              </a:rPr>
+              <a:t> </a:t>
+            </a:r>
+            <a:r>
+              <a:rPr lang="de-DE" sz="1200" dirty="0" err="1">
+                <a:solidFill>
+                  <a:schemeClr val="tx2"/>
+                </a:solidFill>
+              </a:rPr>
+              <a:t>property</a:t>
+            </a:r>
+            <a:r>
+              <a:rPr lang="de-DE" sz="1200" dirty="0">
+                <a:solidFill>
+                  <a:schemeClr val="tx2"/>
+                </a:solidFill>
+              </a:rPr>
+              <a:t> </a:t>
+            </a:r>
+            <a:r>
+              <a:rPr lang="de-DE" sz="1200" dirty="0" err="1">
+                <a:solidFill>
+                  <a:schemeClr val="tx2"/>
+                </a:solidFill>
+              </a:rPr>
+              <a:t>is</a:t>
+            </a:r>
+            <a:r>
+              <a:rPr lang="de-DE" sz="1200" dirty="0">
+                <a:solidFill>
+                  <a:schemeClr val="tx2"/>
+                </a:solidFill>
+              </a:rPr>
+              <a:t> not </a:t>
+            </a:r>
+            <a:r>
+              <a:rPr lang="de-DE" sz="1200" dirty="0" err="1">
+                <a:solidFill>
+                  <a:schemeClr val="tx2"/>
+                </a:solidFill>
+              </a:rPr>
+              <a:t>about</a:t>
+            </a:r>
+            <a:r>
+              <a:rPr lang="de-DE" sz="1200" dirty="0">
+                <a:solidFill>
+                  <a:schemeClr val="tx2"/>
+                </a:solidFill>
+              </a:rPr>
+              <a:t> </a:t>
+            </a:r>
+            <a:r>
+              <a:rPr lang="de-DE" sz="1200" dirty="0" err="1">
+                <a:solidFill>
+                  <a:schemeClr val="tx2"/>
+                </a:solidFill>
+              </a:rPr>
+              <a:t>two</a:t>
+            </a:r>
+            <a:r>
+              <a:rPr lang="de-DE" sz="1200" dirty="0">
+                <a:solidFill>
+                  <a:schemeClr val="tx2"/>
+                </a:solidFill>
+              </a:rPr>
+              <a:t> </a:t>
+            </a:r>
+            <a:r>
+              <a:rPr lang="de-DE" sz="1200" dirty="0" err="1">
+                <a:solidFill>
+                  <a:schemeClr val="tx2"/>
+                </a:solidFill>
+              </a:rPr>
+              <a:t>or</a:t>
+            </a:r>
+            <a:r>
+              <a:rPr lang="de-DE" sz="1200" dirty="0">
+                <a:solidFill>
+                  <a:schemeClr val="tx2"/>
+                </a:solidFill>
+              </a:rPr>
+              <a:t> </a:t>
+            </a:r>
+            <a:r>
+              <a:rPr lang="de-DE" sz="1200" dirty="0" err="1">
+                <a:solidFill>
+                  <a:schemeClr val="tx2"/>
+                </a:solidFill>
+              </a:rPr>
+              <a:t>more</a:t>
+            </a:r>
+            <a:r>
+              <a:rPr lang="de-DE" sz="1200" dirty="0">
+                <a:solidFill>
+                  <a:schemeClr val="tx2"/>
+                </a:solidFill>
+              </a:rPr>
+              <a:t> </a:t>
+            </a:r>
+            <a:r>
+              <a:rPr lang="de-DE" sz="1200" dirty="0" err="1">
+                <a:solidFill>
+                  <a:schemeClr val="tx2"/>
+                </a:solidFill>
+              </a:rPr>
+              <a:t>floors</a:t>
+            </a:r>
+            <a:r>
+              <a:rPr lang="de-DE" sz="1200" dirty="0">
+                <a:solidFill>
+                  <a:schemeClr val="tx2"/>
+                </a:solidFill>
+              </a:rPr>
+              <a:t>)</a:t>
+            </a:r>
+          </a:p>
+          <a:p>
+            <a:pPr marL="171450" indent="-171450">
+              <a:lnSpc>
+                <a:spcPct val="150000"/>
+              </a:lnSpc>
+              <a:buFont typeface="Arial" panose="020B0604020202020204" pitchFamily="34" charset="0"/>
+              <a:buChar char="•"/>
+            </a:pPr>
+            <a:r>
+              <a:rPr lang="de-DE" sz="1200" dirty="0" err="1">
+                <a:solidFill>
+                  <a:schemeClr val="tx2"/>
+                </a:solidFill>
+              </a:rPr>
+              <a:t>There</a:t>
+            </a:r>
+            <a:r>
+              <a:rPr lang="de-DE" sz="1200" dirty="0">
+                <a:solidFill>
+                  <a:schemeClr val="tx2"/>
+                </a:solidFill>
+              </a:rPr>
+              <a:t> </a:t>
+            </a:r>
+            <a:r>
+              <a:rPr lang="de-DE" sz="1200" dirty="0" err="1">
+                <a:solidFill>
+                  <a:schemeClr val="tx2"/>
+                </a:solidFill>
+              </a:rPr>
+              <a:t>are</a:t>
+            </a:r>
+            <a:r>
+              <a:rPr lang="de-DE" sz="1200" dirty="0">
+                <a:solidFill>
+                  <a:schemeClr val="tx2"/>
+                </a:solidFill>
+              </a:rPr>
+              <a:t> </a:t>
+            </a:r>
+            <a:r>
+              <a:rPr lang="de-DE" sz="1200" dirty="0" err="1">
+                <a:solidFill>
+                  <a:schemeClr val="tx2"/>
+                </a:solidFill>
+              </a:rPr>
+              <a:t>only</a:t>
+            </a:r>
+            <a:r>
+              <a:rPr lang="de-DE" sz="1200" dirty="0">
+                <a:solidFill>
+                  <a:schemeClr val="tx2"/>
+                </a:solidFill>
+              </a:rPr>
+              <a:t> 744 </a:t>
+            </a:r>
+            <a:r>
+              <a:rPr lang="de-DE" sz="1200" dirty="0" err="1">
+                <a:solidFill>
+                  <a:schemeClr val="tx2"/>
+                </a:solidFill>
+              </a:rPr>
+              <a:t>entries</a:t>
+            </a:r>
+            <a:r>
+              <a:rPr lang="de-DE" sz="1200" dirty="0">
+                <a:solidFill>
+                  <a:schemeClr val="tx2"/>
+                </a:solidFill>
+              </a:rPr>
+              <a:t> </a:t>
+            </a:r>
+            <a:r>
+              <a:rPr lang="de-DE" sz="1200" dirty="0" err="1">
+                <a:solidFill>
+                  <a:schemeClr val="tx2"/>
+                </a:solidFill>
+              </a:rPr>
+              <a:t>for</a:t>
+            </a:r>
+            <a:r>
+              <a:rPr lang="de-DE" sz="1200" dirty="0">
+                <a:solidFill>
+                  <a:schemeClr val="tx2"/>
+                </a:solidFill>
+              </a:rPr>
+              <a:t> </a:t>
+            </a:r>
+            <a:r>
+              <a:rPr lang="de-DE" sz="1200" dirty="0" err="1">
+                <a:solidFill>
+                  <a:schemeClr val="tx2"/>
+                </a:solidFill>
+              </a:rPr>
+              <a:t>renovation</a:t>
+            </a:r>
+            <a:r>
+              <a:rPr lang="de-DE" sz="1200" dirty="0">
+                <a:solidFill>
+                  <a:schemeClr val="tx2"/>
+                </a:solidFill>
+              </a:rPr>
+              <a:t> </a:t>
+            </a:r>
+            <a:r>
+              <a:rPr lang="de-DE" sz="1200" dirty="0" err="1">
+                <a:solidFill>
+                  <a:schemeClr val="tx2"/>
+                </a:solidFill>
+              </a:rPr>
+              <a:t>year</a:t>
+            </a:r>
+            <a:r>
+              <a:rPr lang="de-DE" sz="1200" dirty="0">
+                <a:solidFill>
+                  <a:schemeClr val="tx2"/>
+                </a:solidFill>
+              </a:rPr>
+              <a:t> (</a:t>
+            </a:r>
+            <a:r>
+              <a:rPr lang="en-US" dirty="0"/>
+              <a:t>3.842 items missing and 17.011 with value 0.0)</a:t>
+            </a:r>
+            <a:endParaRPr lang="de-DE" sz="1200" dirty="0">
+              <a:solidFill>
+                <a:schemeClr val="tx2"/>
+              </a:solidFill>
+            </a:endParaRPr>
+          </a:p>
+          <a:p>
+            <a:pPr marL="171450" indent="-171450">
+              <a:lnSpc>
+                <a:spcPct val="150000"/>
+              </a:lnSpc>
+              <a:buFont typeface="Arial" panose="020B0604020202020204" pitchFamily="34" charset="0"/>
+              <a:buChar char="•"/>
+            </a:pPr>
+            <a:endParaRPr lang="de-DE" sz="1200" dirty="0">
+              <a:solidFill>
+                <a:schemeClr val="tx2"/>
+              </a:solidFill>
+            </a:endParaRPr>
+          </a:p>
+          <a:p>
+            <a:pPr marL="171450" indent="-171450">
+              <a:lnSpc>
+                <a:spcPct val="150000"/>
+              </a:lnSpc>
+              <a:buFont typeface="Arial" panose="020B0604020202020204" pitchFamily="34" charset="0"/>
+              <a:buChar char="•"/>
+            </a:pPr>
+            <a:endParaRPr lang="de-DE" sz="1200" dirty="0">
+              <a:solidFill>
+                <a:schemeClr val="tx2"/>
+              </a:solidFill>
+            </a:endParaRPr>
+          </a:p>
+          <a:p>
+            <a:pPr marL="171450" indent="-171450">
+              <a:lnSpc>
+                <a:spcPct val="150000"/>
+              </a:lnSpc>
+              <a:buFont typeface="Arial" panose="020B0604020202020204" pitchFamily="34" charset="0"/>
+              <a:buChar char="•"/>
+            </a:pPr>
+            <a:endParaRPr lang="de-DE" sz="1200" dirty="0">
+              <a:solidFill>
+                <a:schemeClr val="tx2"/>
+              </a:solidFill>
+            </a:endParaRPr>
+          </a:p>
+          <a:p>
+            <a:pPr marL="171450" indent="-171450">
+              <a:lnSpc>
+                <a:spcPct val="150000"/>
+              </a:lnSpc>
+              <a:buFont typeface="Arial" panose="020B0604020202020204" pitchFamily="34" charset="0"/>
+              <a:buChar char="•"/>
+            </a:pPr>
+            <a:endParaRPr lang="de-DE" sz="1200" dirty="0">
+              <a:solidFill>
+                <a:schemeClr val="tx2"/>
+              </a:solidFill>
+            </a:endParaRPr>
+          </a:p>
+          <a:p>
+            <a:endParaRPr lang="de-DE" dirty="0"/>
+          </a:p>
+        </p:txBody>
+      </p:sp>
+      <p:sp>
+        <p:nvSpPr>
+          <p:cNvPr id="4" name="Foliennummernplatzhalter 3"/>
+          <p:cNvSpPr>
+            <a:spLocks noGrp="1"/>
+          </p:cNvSpPr>
+          <p:nvPr>
+            <p:ph type="sldNum" sz="quarter" idx="5"/>
+          </p:nvPr>
+        </p:nvSpPr>
+        <p:spPr/>
+        <p:txBody>
+          <a:bodyPr/>
+          <a:lstStyle/>
+          <a:p>
+            <a:fld id="{CC429421-9836-485E-81B7-E48EA1344A80}" type="slidenum">
+              <a:rPr lang="ru-RU" altLang="ru-RU" smtClean="0"/>
+              <a:pPr/>
+              <a:t>6</a:t>
+            </a:fld>
+            <a:endParaRPr lang="ru-RU" altLang="ru-RU"/>
+          </a:p>
+        </p:txBody>
+      </p:sp>
+    </p:spTree>
+    <p:extLst>
+      <p:ext uri="{BB962C8B-B14F-4D97-AF65-F5344CB8AC3E}">
+        <p14:creationId xmlns:p14="http://schemas.microsoft.com/office/powerpoint/2010/main" val="2782268874"/>
+      </p:ext>
+    </p:extLst>
+  </p:cSld>
+  <p:clrMapOvr>
+    <a:masterClrMapping/>
+  </p:clrMapOvr>
+</p:notes>
+</file>
+
+<file path=ppt/notesSlides/notesSlide5.xml><?xml version="1.0" encoding="utf-8"?>
+<p:notes xmlns:a="http://schemas.openxmlformats.org/drawingml/2006/main" xmlns:r="http://schemas.openxmlformats.org/officeDocument/2006/relationships" xmlns:p="http://schemas.openxmlformats.org/presentationml/2006/main">
+  <p:cSld>
+    <p:spTree>
+      <p:nvGrpSpPr>
+        <p:cNvPr id="1" name=""/>
+        <p:cNvGrpSpPr/>
+        <p:nvPr/>
+      </p:nvGrpSpPr>
+      <p:grpSpPr>
+        <a:xfrm>
+          <a:off x="0" y="0"/>
+          <a:ext cx="0" cy="0"/>
+          <a:chOff x="0" y="0"/>
+          <a:chExt cx="0" cy="0"/>
+        </a:xfrm>
+      </p:grpSpPr>
+      <p:sp>
+        <p:nvSpPr>
+          <p:cNvPr id="2" name="Folienbildplatzhalter 1"/>
+          <p:cNvSpPr>
+            <a:spLocks noGrp="1" noRot="1" noChangeAspect="1"/>
+          </p:cNvSpPr>
+          <p:nvPr>
+            <p:ph type="sldImg"/>
+          </p:nvPr>
+        </p:nvSpPr>
+        <p:spPr/>
+      </p:sp>
+      <p:sp>
+        <p:nvSpPr>
+          <p:cNvPr id="3" name="Notizenplatzhalter 2"/>
+          <p:cNvSpPr>
+            <a:spLocks noGrp="1"/>
+          </p:cNvSpPr>
+          <p:nvPr>
+            <p:ph type="body" idx="1"/>
+          </p:nvPr>
+        </p:nvSpPr>
+        <p:spPr/>
+        <p:txBody>
+          <a:bodyPr/>
+          <a:lstStyle/>
+          <a:p>
+            <a:r>
+              <a:rPr lang="de-DE" dirty="0"/>
+              <a:t>Quality </a:t>
+            </a:r>
+            <a:r>
+              <a:rPr lang="de-DE" dirty="0" err="1"/>
+              <a:t>measure</a:t>
+            </a:r>
+            <a:endParaRPr lang="de-DE" dirty="0"/>
+          </a:p>
+          <a:p>
+            <a:endParaRPr lang="de-DE" dirty="0"/>
+          </a:p>
+          <a:p>
             <a:r>
               <a:rPr lang="en-US" dirty="0"/>
               <a:t>R-Squared = Explained variance of the model / Total variance of the target variable</a:t>
@@ -1855,7 +2080,7 @@
 </p:notes>
 </file>
 
-<file path=ppt/notesSlides/notesSlide5.xml><?xml version="1.0" encoding="utf-8"?>
+<file path=ppt/notesSlides/notesSlide6.xml><?xml version="1.0" encoding="utf-8"?>
 <p:notes xmlns:a="http://schemas.openxmlformats.org/drawingml/2006/main" xmlns:r="http://schemas.openxmlformats.org/officeDocument/2006/relationships" xmlns:p="http://schemas.openxmlformats.org/presentationml/2006/main">
   <p:cSld>
     <p:spTree>
@@ -2319,7 +2544,7 @@
           <a:p>
             <a:fld id="{07A8AEF1-47DA-4362-B0EF-15FDFF98AF35}" type="datetime1">
               <a:rPr lang="en-US" altLang="ru-RU" smtClean="0"/>
-              <a:t>6/10/2020</a:t>
+              <a:t>6/11/2020</a:t>
             </a:fld>
             <a:endParaRPr lang="en-GB" altLang="ru-RU"/>
           </a:p>
@@ -2515,7 +2740,7 @@
           <a:p>
             <a:fld id="{D76D56D7-5D03-414A-8E05-0FCDEC8661BF}" type="datetime1">
               <a:rPr lang="en-US" altLang="ru-RU" smtClean="0"/>
-              <a:t>6/10/2020</a:t>
+              <a:t>6/11/2020</a:t>
             </a:fld>
             <a:endParaRPr lang="en-GB" altLang="ru-RU"/>
           </a:p>
@@ -2719,7 +2944,7 @@
           <a:p>
             <a:fld id="{FFC01429-4064-44A5-B1FC-336EAE3DB092}" type="datetime1">
               <a:rPr lang="en-US" altLang="ru-RU" smtClean="0"/>
-              <a:t>6/10/2020</a:t>
+              <a:t>6/11/2020</a:t>
             </a:fld>
             <a:endParaRPr lang="ru-RU" altLang="ru-RU"/>
           </a:p>
@@ -2906,7 +3131,7 @@
           <a:p>
             <a:fld id="{1DC2B165-2EE1-4FB2-B9BF-05EE26C42DCD}" type="datetime1">
               <a:rPr lang="en-US" altLang="ru-RU" smtClean="0"/>
-              <a:t>6/10/2020</a:t>
+              <a:t>6/11/2020</a:t>
             </a:fld>
             <a:endParaRPr lang="ru-RU" altLang="ru-RU"/>
           </a:p>
@@ -3115,7 +3340,7 @@
           <a:p>
             <a:fld id="{5ACFF487-E75E-457F-B8FD-967E59BE612D}" type="datetime1">
               <a:rPr lang="en-US" altLang="ru-RU" smtClean="0"/>
-              <a:t>6/10/2020</a:t>
+              <a:t>6/11/2020</a:t>
             </a:fld>
             <a:endParaRPr lang="ru-RU" altLang="ru-RU"/>
           </a:p>
@@ -3420,7 +3645,7 @@
           <a:p>
             <a:fld id="{BC264BC4-F6C8-4FF2-B7EB-08ED5607D786}" type="datetime1">
               <a:rPr lang="en-US" altLang="ru-RU" smtClean="0"/>
-              <a:t>6/10/2020</a:t>
+              <a:t>6/11/2020</a:t>
             </a:fld>
             <a:endParaRPr lang="ru-RU" altLang="ru-RU"/>
           </a:p>
@@ -3864,7 +4089,7 @@
           <a:p>
             <a:fld id="{658F7032-246B-41DE-B6A3-FC95A37DC04C}" type="datetime1">
               <a:rPr lang="en-US" altLang="ru-RU" smtClean="0"/>
-              <a:t>6/10/2020</a:t>
+              <a:t>6/11/2020</a:t>
             </a:fld>
             <a:endParaRPr lang="ru-RU" altLang="ru-RU"/>
           </a:p>
@@ -3999,7 +4224,7 @@
           <a:p>
             <a:fld id="{A3E35D8B-3258-42B1-9104-12B20B993091}" type="datetime1">
               <a:rPr lang="en-US" altLang="ru-RU" smtClean="0"/>
-              <a:t>6/10/2020</a:t>
+              <a:t>6/11/2020</a:t>
             </a:fld>
             <a:endParaRPr lang="ru-RU" altLang="ru-RU"/>
           </a:p>
@@ -4111,7 +4336,7 @@
           <a:p>
             <a:fld id="{B49ACDD0-2D53-4EB1-8DC6-20E033B04529}" type="datetime1">
               <a:rPr lang="en-US" altLang="ru-RU" smtClean="0"/>
-              <a:t>6/10/2020</a:t>
+              <a:t>6/11/2020</a:t>
             </a:fld>
             <a:endParaRPr lang="ru-RU" altLang="ru-RU"/>
           </a:p>
@@ -4405,7 +4630,7 @@
           <a:p>
             <a:fld id="{9C5CBA79-0A8D-4D20-AF38-3F587A968EB8}" type="datetime1">
               <a:rPr lang="en-US" altLang="ru-RU" smtClean="0"/>
-              <a:t>6/10/2020</a:t>
+              <a:t>6/11/2020</a:t>
             </a:fld>
             <a:endParaRPr lang="ru-RU" altLang="ru-RU"/>
           </a:p>
@@ -4592,7 +4817,7 @@
           <a:p>
             <a:fld id="{3E3B755D-FB77-4643-914B-669EF48D4964}" type="datetime1">
               <a:rPr lang="en-US" altLang="ru-RU" smtClean="0"/>
-              <a:t>6/10/2020</a:t>
+              <a:t>6/11/2020</a:t>
             </a:fld>
             <a:endParaRPr lang="en-GB" altLang="ru-RU"/>
           </a:p>
@@ -4861,7 +5086,7 @@
           <a:p>
             <a:fld id="{246EA1D5-F37C-4FDB-BA56-82B6D602F44E}" type="datetime1">
               <a:rPr lang="en-US" altLang="ru-RU" smtClean="0"/>
-              <a:t>6/10/2020</a:t>
+              <a:t>6/11/2020</a:t>
             </a:fld>
             <a:endParaRPr lang="ru-RU" altLang="ru-RU"/>
           </a:p>
@@ -5048,7 +5273,7 @@
           <a:p>
             <a:fld id="{6C53F9ED-C5C9-4844-9BCF-F48B65F14C09}" type="datetime1">
               <a:rPr lang="en-US" altLang="ru-RU" smtClean="0"/>
-              <a:t>6/10/2020</a:t>
+              <a:t>6/11/2020</a:t>
             </a:fld>
             <a:endParaRPr lang="ru-RU" altLang="ru-RU"/>
           </a:p>
@@ -5245,7 +5470,7 @@
           <a:p>
             <a:fld id="{989AB20F-10F9-4312-8D9A-54ECDB83FF67}" type="datetime1">
               <a:rPr lang="en-US" altLang="ru-RU" smtClean="0"/>
-              <a:t>6/10/2020</a:t>
+              <a:t>6/11/2020</a:t>
             </a:fld>
             <a:endParaRPr lang="ru-RU" altLang="ru-RU"/>
           </a:p>
@@ -5454,7 +5679,7 @@
           <a:p>
             <a:fld id="{5D61AD41-2BDD-48AA-978A-97D809C82443}" type="datetime1">
               <a:rPr lang="en-US" altLang="ru-RU" smtClean="0"/>
-              <a:t>6/10/2020</a:t>
+              <a:t>6/11/2020</a:t>
             </a:fld>
             <a:endParaRPr lang="en-GB" altLang="ru-RU"/>
           </a:p>
@@ -5758,7 +5983,7 @@
           <a:p>
             <a:fld id="{23E3E7E3-1628-4202-8390-DF6BBD9CD151}" type="datetime1">
               <a:rPr lang="en-US" altLang="ru-RU" smtClean="0"/>
-              <a:t>6/10/2020</a:t>
+              <a:t>6/11/2020</a:t>
             </a:fld>
             <a:endParaRPr lang="en-GB" altLang="ru-RU"/>
           </a:p>
@@ -6201,7 +6426,7 @@
           <a:p>
             <a:fld id="{A99C8BA0-5F07-4249-B95D-AFA98C0D1450}" type="datetime1">
               <a:rPr lang="en-US" altLang="ru-RU" smtClean="0"/>
-              <a:t>6/10/2020</a:t>
+              <a:t>6/11/2020</a:t>
             </a:fld>
             <a:endParaRPr lang="en-GB" altLang="ru-RU"/>
           </a:p>
@@ -6335,7 +6560,7 @@
           <a:p>
             <a:fld id="{7A7F9532-FD34-49C0-8919-DA0C1E36E685}" type="datetime1">
               <a:rPr lang="en-US" altLang="ru-RU" smtClean="0"/>
-              <a:t>6/10/2020</a:t>
+              <a:t>6/11/2020</a:t>
             </a:fld>
             <a:endParaRPr lang="en-GB" altLang="ru-RU"/>
           </a:p>
@@ -6446,7 +6671,7 @@
           <a:p>
             <a:fld id="{877A8A69-6A19-463D-8157-306ABD8C4FAA}" type="datetime1">
               <a:rPr lang="en-US" altLang="ru-RU" smtClean="0"/>
-              <a:t>6/10/2020</a:t>
+              <a:t>6/11/2020</a:t>
             </a:fld>
             <a:endParaRPr lang="en-GB" altLang="ru-RU"/>
           </a:p>
@@ -6739,7 +6964,7 @@
           <a:p>
             <a:fld id="{3BFD1227-03FC-4454-BFB0-FB70D5C45B19}" type="datetime1">
               <a:rPr lang="en-US" altLang="ru-RU" smtClean="0"/>
-              <a:t>6/10/2020</a:t>
+              <a:t>6/11/2020</a:t>
             </a:fld>
             <a:endParaRPr lang="en-GB" altLang="ru-RU"/>
           </a:p>
@@ -7012,7 +7237,7 @@
           <a:p>
             <a:fld id="{2C17D5DB-9BB3-41E7-A98B-4B7D72DD0942}" type="datetime1">
               <a:rPr lang="en-US" altLang="ru-RU" smtClean="0"/>
-              <a:t>6/10/2020</a:t>
+              <a:t>6/11/2020</a:t>
             </a:fld>
             <a:endParaRPr lang="en-GB" altLang="ru-RU"/>
           </a:p>
@@ -7356,7 +7581,7 @@
             <a:fld id="{E852E869-5AD1-440C-888A-2943A7DEBD36}" type="datetime1">
               <a:rPr lang="en-US" altLang="ru-RU" smtClean="0"/>
               <a:pPr/>
-              <a:t>6/10/2020</a:t>
+              <a:t>6/11/2020</a:t>
             </a:fld>
             <a:endParaRPr lang="en-GB" altLang="ru-RU"/>
           </a:p>
@@ -8175,7 +8400,7 @@
             <a:fld id="{F84E6CD6-FACD-4797-A1B9-01B295F8BEF6}" type="datetime1">
               <a:rPr lang="en-US" altLang="ru-RU" smtClean="0"/>
               <a:pPr/>
-              <a:t>6/10/2020</a:t>
+              <a:t>6/11/2020</a:t>
             </a:fld>
             <a:endParaRPr lang="ru-RU" altLang="ru-RU"/>
           </a:p>
@@ -9182,7 +9407,7 @@
           <a:p>
             <a:fld id="{1DC2B165-2EE1-4FB2-B9BF-05EE26C42DCD}" type="datetime1">
               <a:rPr lang="en-US" altLang="ru-RU" smtClean="0"/>
-              <a:t>6/10/2020</a:t>
+              <a:t>6/11/2020</a:t>
             </a:fld>
             <a:endParaRPr lang="ru-RU" altLang="ru-RU"/>
           </a:p>
@@ -10059,7 +10284,7 @@
                 <a:effectLst/>
                 <a:latin typeface="Arial" charset="0"/>
               </a:rPr>
-              <a:t>65,4%</a:t>
+              <a:t>65.4%</a:t>
             </a:r>
           </a:p>
         </p:txBody>
@@ -10122,7 +10347,7 @@
             </a:pPr>
             <a:r>
               <a:rPr lang="de-DE" sz="1200" b="0" dirty="0"/>
-              <a:t>70,4 %</a:t>
+              <a:t>70.4 %</a:t>
             </a:r>
             <a:endParaRPr kumimoji="0" lang="de-DE" sz="1200" b="0" i="0" u="none" strike="noStrike" cap="none" normalizeH="0" baseline="0" dirty="0">
               <a:ln>
@@ -10204,7 +10429,7 @@
                 <a:effectLst/>
                 <a:latin typeface="Arial" charset="0"/>
               </a:rPr>
-              <a:t>73,8 %</a:t>
+              <a:t>73.8 %</a:t>
             </a:r>
           </a:p>
         </p:txBody>
@@ -10267,7 +10492,7 @@
             </a:pPr>
             <a:r>
               <a:rPr lang="de-DE" sz="1200" b="0" dirty="0"/>
-              <a:t>49,5 %</a:t>
+              <a:t>49.5 %</a:t>
             </a:r>
             <a:endParaRPr kumimoji="0" lang="de-DE" sz="1200" b="0" i="0" u="none" strike="noStrike" cap="none" normalizeH="0" baseline="0" dirty="0">
               <a:ln>
@@ -10349,7 +10574,7 @@
                 <a:effectLst/>
                 <a:latin typeface="Arial" charset="0"/>
               </a:rPr>
-              <a:t>49,3 %</a:t>
+              <a:t>49.3 %</a:t>
             </a:r>
           </a:p>
         </p:txBody>
@@ -10453,6 +10678,10 @@
           </a:p>
           <a:p>
             <a:r>
+              <a:rPr lang="de-DE" sz="1200" b="0" dirty="0"/>
+              <a:t> </a:t>
+            </a:r>
+            <a:r>
               <a:rPr lang="de-DE" sz="1200" b="0" dirty="0" err="1"/>
               <a:t>living</a:t>
             </a:r>
@@ -10528,7 +10757,7 @@
           <a:p>
             <a:r>
               <a:rPr lang="de-DE" sz="1000" b="0" dirty="0"/>
-              <a:t>  </a:t>
+              <a:t> </a:t>
             </a:r>
             <a:r>
               <a:rPr lang="de-DE" sz="1000" b="0" dirty="0" err="1"/>
@@ -10831,6 +11060,40 @@
               </a:rPr>
               <a:t> R²</a:t>
             </a:r>
+          </a:p>
+        </p:txBody>
+      </p:sp>
+      <p:sp>
+        <p:nvSpPr>
+          <p:cNvPr id="38" name="Fußzeilenplatzhalter 4">
+            <a:extLst>
+              <a:ext uri="{FF2B5EF4-FFF2-40B4-BE49-F238E27FC236}">
+                <a16:creationId xmlns:a16="http://schemas.microsoft.com/office/drawing/2014/main" id="{65B460C0-CDB8-4E04-9597-BCFB69032C54}"/>
+              </a:ext>
+            </a:extLst>
+          </p:cNvPr>
+          <p:cNvSpPr>
+            <a:spLocks noGrp="1"/>
+          </p:cNvSpPr>
+          <p:nvPr>
+            <p:ph type="ftr" sz="quarter" idx="11"/>
+          </p:nvPr>
+        </p:nvSpPr>
+        <p:spPr>
+          <a:xfrm>
+            <a:off x="3124200" y="6453188"/>
+            <a:ext cx="2895600" cy="268287"/>
+          </a:xfrm>
+        </p:spPr>
+        <p:txBody>
+          <a:bodyPr/>
+          <a:lstStyle/>
+          <a:p>
+            <a:r>
+              <a:rPr lang="en-US" altLang="ru-RU" dirty="0"/>
+              <a:t>Designed by PoweredTemplate.com</a:t>
+            </a:r>
+            <a:endParaRPr lang="ru-RU" altLang="ru-RU" dirty="0"/>
           </a:p>
         </p:txBody>
       </p:sp>
@@ -11198,7 +11461,7 @@
                   <a:schemeClr val="tx2"/>
                 </a:solidFill>
               </a:rPr>
-              <a:t> 3 and 4 </a:t>
+              <a:t> 7 and 8 </a:t>
             </a:r>
             <a:r>
               <a:rPr lang="de-DE" sz="1200" dirty="0" err="1">
@@ -11407,23 +11670,23 @@
                   <a:schemeClr val="tx2"/>
                 </a:solidFill>
               </a:rPr>
+              <a:t>had</a:t>
+            </a:r>
+            <a:r>
+              <a:rPr lang="de-DE" sz="1200" dirty="0">
+                <a:solidFill>
+                  <a:schemeClr val="tx2"/>
+                </a:solidFill>
+              </a:rPr>
+              <a:t> </a:t>
+            </a:r>
+            <a:r>
+              <a:rPr lang="de-DE" sz="1200" dirty="0" err="1">
+                <a:solidFill>
+                  <a:schemeClr val="tx2"/>
+                </a:solidFill>
+              </a:rPr>
               <a:t>only</a:t>
-            </a:r>
-            <a:r>
-              <a:rPr lang="de-DE" sz="1200" dirty="0">
-                <a:solidFill>
-                  <a:schemeClr val="tx2"/>
-                </a:solidFill>
-              </a:rPr>
-              <a:t> a </a:t>
-            </a:r>
-            <a:r>
-              <a:rPr lang="de-DE" sz="1200" dirty="0" err="1">
-                <a:solidFill>
-                  <a:schemeClr val="tx2"/>
-                </a:solidFill>
-              </a:rPr>
-              <a:t>small</a:t>
             </a:r>
             <a:r>
               <a:rPr lang="de-DE" sz="1200" dirty="0">
@@ -11446,7 +11709,23 @@
                   <a:schemeClr val="tx2"/>
                 </a:solidFill>
               </a:rPr>
-              <a:t>     </a:t>
+              <a:t>    a </a:t>
+            </a:r>
+            <a:r>
+              <a:rPr lang="de-DE" sz="1200" dirty="0" err="1">
+                <a:solidFill>
+                  <a:schemeClr val="tx2"/>
+                </a:solidFill>
+              </a:rPr>
+              <a:t>small</a:t>
+            </a:r>
+            <a:r>
+              <a:rPr lang="de-DE" sz="1200" dirty="0">
+                <a:solidFill>
+                  <a:schemeClr val="tx2"/>
+                </a:solidFill>
+              </a:rPr>
+              <a:t> </a:t>
             </a:r>
             <a:r>
               <a:rPr lang="de-DE" sz="1200" dirty="0" err="1">
@@ -12026,6 +12305,40 @@
                 <a:schemeClr val="tx2"/>
               </a:solidFill>
             </a:endParaRPr>
+          </a:p>
+        </p:txBody>
+      </p:sp>
+      <p:sp>
+        <p:nvSpPr>
+          <p:cNvPr id="9" name="Fußzeilenplatzhalter 4">
+            <a:extLst>
+              <a:ext uri="{FF2B5EF4-FFF2-40B4-BE49-F238E27FC236}">
+                <a16:creationId xmlns:a16="http://schemas.microsoft.com/office/drawing/2014/main" id="{B808C08F-B759-4292-B9A2-4479421FFC18}"/>
+              </a:ext>
+            </a:extLst>
+          </p:cNvPr>
+          <p:cNvSpPr>
+            <a:spLocks noGrp="1"/>
+          </p:cNvSpPr>
+          <p:nvPr>
+            <p:ph type="ftr" sz="quarter" idx="11"/>
+          </p:nvPr>
+        </p:nvSpPr>
+        <p:spPr>
+          <a:xfrm>
+            <a:off x="3124200" y="6453188"/>
+            <a:ext cx="2895600" cy="268287"/>
+          </a:xfrm>
+        </p:spPr>
+        <p:txBody>
+          <a:bodyPr/>
+          <a:lstStyle/>
+          <a:p>
+            <a:r>
+              <a:rPr lang="en-US" altLang="ru-RU" dirty="0"/>
+              <a:t>Designed by PoweredTemplate.com</a:t>
+            </a:r>
+            <a:endParaRPr lang="ru-RU" altLang="ru-RU" dirty="0"/>
           </a:p>
         </p:txBody>
       </p:sp>
@@ -13010,6 +13323,40 @@
           </a:prstGeom>
         </p:spPr>
       </p:pic>
+      <p:sp>
+        <p:nvSpPr>
+          <p:cNvPr id="22" name="Fußzeilenplatzhalter 4">
+            <a:extLst>
+              <a:ext uri="{FF2B5EF4-FFF2-40B4-BE49-F238E27FC236}">
+                <a16:creationId xmlns:a16="http://schemas.microsoft.com/office/drawing/2014/main" id="{BA3D9498-530C-42FC-9D42-891FD2F0133E}"/>
+              </a:ext>
+            </a:extLst>
+          </p:cNvPr>
+          <p:cNvSpPr>
+            <a:spLocks noGrp="1"/>
+          </p:cNvSpPr>
+          <p:nvPr>
+            <p:ph type="ftr" sz="quarter" idx="11"/>
+          </p:nvPr>
+        </p:nvSpPr>
+        <p:spPr>
+          <a:xfrm>
+            <a:off x="3124200" y="6453188"/>
+            <a:ext cx="2895600" cy="268287"/>
+          </a:xfrm>
+        </p:spPr>
+        <p:txBody>
+          <a:bodyPr/>
+          <a:lstStyle/>
+          <a:p>
+            <a:r>
+              <a:rPr lang="en-US" altLang="ru-RU" dirty="0"/>
+              <a:t>Designed by PoweredTemplate.com</a:t>
+            </a:r>
+            <a:endParaRPr lang="ru-RU" altLang="ru-RU" dirty="0"/>
+          </a:p>
+        </p:txBody>
+      </p:sp>
     </p:spTree>
     <p:extLst>
       <p:ext uri="{BB962C8B-B14F-4D97-AF65-F5344CB8AC3E}">
@@ -13143,7 +13490,7 @@
                   <a:schemeClr val="bg2"/>
                 </a:solidFill>
               </a:rPr>
-              <a:t>jupyter</a:t>
+              <a:t>juypter</a:t>
             </a:r>
             <a:r>
               <a:rPr lang="en-US" altLang="ru-RU" dirty="0">
@@ -13208,6 +13555,40 @@
           </a:extLst>
         </p:spPr>
       </p:pic>
+      <p:sp>
+        <p:nvSpPr>
+          <p:cNvPr id="5" name="Fußzeilenplatzhalter 4">
+            <a:extLst>
+              <a:ext uri="{FF2B5EF4-FFF2-40B4-BE49-F238E27FC236}">
+                <a16:creationId xmlns:a16="http://schemas.microsoft.com/office/drawing/2014/main" id="{8D9A102D-E14B-4C91-B334-BC5ACF539CC1}"/>
+              </a:ext>
+            </a:extLst>
+          </p:cNvPr>
+          <p:cNvSpPr>
+            <a:spLocks noGrp="1"/>
+          </p:cNvSpPr>
+          <p:nvPr>
+            <p:ph type="ftr" sz="quarter" idx="11"/>
+          </p:nvPr>
+        </p:nvSpPr>
+        <p:spPr>
+          <a:xfrm>
+            <a:off x="3124200" y="6453188"/>
+            <a:ext cx="2895600" cy="268287"/>
+          </a:xfrm>
+        </p:spPr>
+        <p:txBody>
+          <a:bodyPr/>
+          <a:lstStyle/>
+          <a:p>
+            <a:r>
+              <a:rPr lang="en-US" altLang="ru-RU" dirty="0"/>
+              <a:t>Designed by PoweredTemplate.com</a:t>
+            </a:r>
+            <a:endParaRPr lang="ru-RU" altLang="ru-RU" dirty="0"/>
+          </a:p>
+        </p:txBody>
+      </p:sp>
     </p:spTree>
   </p:cSld>
   <p:clrMapOvr>
@@ -13310,7 +13691,7 @@
           <p:nvPr/>
         </p:nvPicPr>
         <p:blipFill>
-          <a:blip r:embed="rId2"/>
+          <a:blip r:embed="rId3"/>
           <a:stretch>
             <a:fillRect/>
           </a:stretch>
@@ -13445,7 +13826,7 @@
           <p:nvPr/>
         </p:nvPicPr>
         <p:blipFill>
-          <a:blip r:embed="rId2"/>
+          <a:blip r:embed="rId3"/>
           <a:stretch>
             <a:fillRect/>
           </a:stretch>
@@ -13579,7 +13960,7 @@
           <p:nvPr/>
         </p:nvPicPr>
         <p:blipFill>
-          <a:blip r:embed="rId2"/>
+          <a:blip r:embed="rId3"/>
           <a:stretch>
             <a:fillRect/>
           </a:stretch>
@@ -13714,7 +14095,7 @@
           <p:nvPr/>
         </p:nvPicPr>
         <p:blipFill>
-          <a:blip r:embed="rId2"/>
+          <a:blip r:embed="rId3"/>
           <a:stretch>
             <a:fillRect/>
           </a:stretch>
@@ -13848,7 +14229,7 @@
           <p:nvPr/>
         </p:nvPicPr>
         <p:blipFill>
-          <a:blip r:embed="rId2"/>
+          <a:blip r:embed="rId3"/>
           <a:stretch>
             <a:fillRect/>
           </a:stretch>
@@ -13964,6 +14345,40 @@
               <a:rPr lang="de-DE" sz="1200" dirty="0"/>
               <a:t>Outlook</a:t>
             </a:r>
+          </a:p>
+        </p:txBody>
+      </p:sp>
+      <p:sp>
+        <p:nvSpPr>
+          <p:cNvPr id="22" name="Fußzeilenplatzhalter 4">
+            <a:extLst>
+              <a:ext uri="{FF2B5EF4-FFF2-40B4-BE49-F238E27FC236}">
+                <a16:creationId xmlns:a16="http://schemas.microsoft.com/office/drawing/2014/main" id="{A38196E9-E4E3-40AF-A288-ABA30F444153}"/>
+              </a:ext>
+            </a:extLst>
+          </p:cNvPr>
+          <p:cNvSpPr>
+            <a:spLocks noGrp="1"/>
+          </p:cNvSpPr>
+          <p:nvPr>
+            <p:ph type="ftr" sz="quarter" idx="11"/>
+          </p:nvPr>
+        </p:nvSpPr>
+        <p:spPr>
+          <a:xfrm>
+            <a:off x="3124200" y="6453188"/>
+            <a:ext cx="2895600" cy="268287"/>
+          </a:xfrm>
+        </p:spPr>
+        <p:txBody>
+          <a:bodyPr/>
+          <a:lstStyle/>
+          <a:p>
+            <a:r>
+              <a:rPr lang="en-US" altLang="ru-RU" dirty="0"/>
+              <a:t>Designed by PoweredTemplate.com</a:t>
+            </a:r>
+            <a:endParaRPr lang="ru-RU" altLang="ru-RU" dirty="0"/>
           </a:p>
         </p:txBody>
       </p:sp>
@@ -15309,6 +15724,40 @@
           </p:spPr>
         </p:pic>
       </p:grpSp>
+      <p:sp>
+        <p:nvSpPr>
+          <p:cNvPr id="35" name="Fußzeilenplatzhalter 4">
+            <a:extLst>
+              <a:ext uri="{FF2B5EF4-FFF2-40B4-BE49-F238E27FC236}">
+                <a16:creationId xmlns:a16="http://schemas.microsoft.com/office/drawing/2014/main" id="{F4254B0D-859A-4F2D-A75F-94C1831D1207}"/>
+              </a:ext>
+            </a:extLst>
+          </p:cNvPr>
+          <p:cNvSpPr>
+            <a:spLocks noGrp="1"/>
+          </p:cNvSpPr>
+          <p:nvPr>
+            <p:ph type="ftr" sz="quarter" idx="11"/>
+          </p:nvPr>
+        </p:nvSpPr>
+        <p:spPr>
+          <a:xfrm>
+            <a:off x="3124200" y="6453188"/>
+            <a:ext cx="2895600" cy="268287"/>
+          </a:xfrm>
+        </p:spPr>
+        <p:txBody>
+          <a:bodyPr/>
+          <a:lstStyle/>
+          <a:p>
+            <a:r>
+              <a:rPr lang="en-US" altLang="ru-RU" dirty="0"/>
+              <a:t>Designed by PoweredTemplate.com</a:t>
+            </a:r>
+            <a:endParaRPr lang="ru-RU" altLang="ru-RU" dirty="0"/>
+          </a:p>
+        </p:txBody>
+      </p:sp>
     </p:spTree>
     <p:extLst>
       <p:ext uri="{BB962C8B-B14F-4D97-AF65-F5344CB8AC3E}">
@@ -15339,6 +15788,75 @@
           <a:chExt cx="0" cy="0"/>
         </a:xfrm>
       </p:grpSpPr>
+      <p:sp>
+        <p:nvSpPr>
+          <p:cNvPr id="10" name="Rechteck 9">
+            <a:extLst>
+              <a:ext uri="{FF2B5EF4-FFF2-40B4-BE49-F238E27FC236}">
+                <a16:creationId xmlns:a16="http://schemas.microsoft.com/office/drawing/2014/main" id="{5DF994C4-63DA-4D14-B76F-0F5CC2AC52F4}"/>
+              </a:ext>
+            </a:extLst>
+          </p:cNvPr>
+          <p:cNvSpPr/>
+          <p:nvPr/>
+        </p:nvSpPr>
+        <p:spPr bwMode="auto">
+          <a:xfrm>
+            <a:off x="1763688" y="5373216"/>
+            <a:ext cx="7380312" cy="1079972"/>
+          </a:xfrm>
+          <a:prstGeom prst="rect">
+            <a:avLst/>
+          </a:prstGeom>
+          <a:solidFill>
+            <a:srgbClr val="8EC06A"/>
+          </a:solidFill>
+          <a:ln w="9525" cap="flat" cmpd="sng" algn="ctr">
+            <a:noFill/>
+            <a:prstDash val="solid"/>
+            <a:round/>
+            <a:headEnd type="none" w="med" len="med"/>
+            <a:tailEnd type="none" w="med" len="med"/>
+          </a:ln>
+          <a:effectLst/>
+        </p:spPr>
+        <p:txBody>
+          <a:bodyPr vert="horz" wrap="square" lIns="91440" tIns="45720" rIns="91440" bIns="45720" numCol="1" rtlCol="0" anchor="t" anchorCtr="0" compatLnSpc="1">
+            <a:prstTxWarp prst="textNoShape">
+              <a:avLst/>
+            </a:prstTxWarp>
+          </a:bodyPr>
+          <a:lstStyle/>
+          <a:p>
+            <a:pPr marL="0" marR="0" indent="0" algn="l" defTabSz="914400" rtl="0" eaLnBrk="1" fontAlgn="base" latinLnBrk="0" hangingPunct="1">
+              <a:lnSpc>
+                <a:spcPct val="100000"/>
+              </a:lnSpc>
+              <a:spcBef>
+                <a:spcPct val="0"/>
+              </a:spcBef>
+              <a:spcAft>
+                <a:spcPct val="0"/>
+              </a:spcAft>
+              <a:buClrTx/>
+              <a:buSzTx/>
+              <a:buFontTx/>
+              <a:buNone/>
+              <a:tabLst/>
+            </a:pPr>
+            <a:endParaRPr kumimoji="0" lang="de-DE" sz="1800" b="1" i="0" u="none" strike="noStrike" cap="none" normalizeH="0" baseline="0">
+              <a:ln>
+                <a:noFill/>
+              </a:ln>
+              <a:solidFill>
+                <a:schemeClr val="tx1"/>
+              </a:solidFill>
+              <a:effectLst/>
+              <a:latin typeface="Arial" charset="0"/>
+            </a:endParaRPr>
+          </a:p>
+        </p:txBody>
+      </p:sp>
       <p:sp>
         <p:nvSpPr>
           <p:cNvPr id="2" name="Titel 1">
@@ -15559,7 +16077,7 @@
               <a:r>
                 <a:rPr lang="es-ES" sz="1200" dirty="0">
                   <a:solidFill>
-                    <a:schemeClr val="tx2"/>
+                    <a:schemeClr val="bg1"/>
                   </a:solidFill>
                 </a:rPr>
                 <a:t>Area 			2,307 sq mi   (5,980 km²)</a:t>
@@ -15576,7 +16094,7 @@
               <a:r>
                 <a:rPr lang="de-DE" sz="1200" dirty="0">
                   <a:solidFill>
-                    <a:schemeClr val="tx2"/>
+                    <a:schemeClr val="bg1"/>
                   </a:solidFill>
                 </a:rPr>
                 <a:t>Population (</a:t>
@@ -15584,7 +16102,7 @@
               <a:r>
                 <a:rPr lang="de-DE" sz="1200" dirty="0" err="1">
                   <a:solidFill>
-                    <a:schemeClr val="tx2"/>
+                    <a:schemeClr val="bg1"/>
                   </a:solidFill>
                 </a:rPr>
                 <a:t>estimate</a:t>
@@ -15592,7 +16110,7 @@
               <a:r>
                 <a:rPr lang="de-DE" sz="1200" dirty="0">
                   <a:solidFill>
-                    <a:schemeClr val="tx2"/>
+                    <a:schemeClr val="bg1"/>
                   </a:solidFill>
                 </a:rPr>
                 <a:t> 2019) 	2,252,782</a:t>
@@ -15609,7 +16127,7 @@
               <a:r>
                 <a:rPr lang="de-DE" sz="1200" dirty="0">
                   <a:solidFill>
-                    <a:schemeClr val="tx2"/>
+                    <a:schemeClr val="bg1"/>
                   </a:solidFill>
                 </a:rPr>
                 <a:t>35 </a:t>
@@ -15617,7 +16135,7 @@
               <a:r>
                 <a:rPr lang="de-DE" sz="1200" dirty="0" err="1">
                   <a:solidFill>
-                    <a:schemeClr val="tx2"/>
+                    <a:schemeClr val="bg1"/>
                   </a:solidFill>
                 </a:rPr>
                 <a:t>cities</a:t>
@@ -15625,7 +16143,7 @@
               <a:r>
                 <a:rPr lang="de-DE" sz="1200" dirty="0">
                   <a:solidFill>
-                    <a:schemeClr val="tx2"/>
+                    <a:schemeClr val="bg1"/>
                   </a:solidFill>
                 </a:rPr>
                 <a:t>, 4 </a:t>
@@ -15633,7 +16151,7 @@
               <a:r>
                 <a:rPr lang="de-DE" sz="1200" dirty="0" err="1">
                   <a:solidFill>
-                    <a:schemeClr val="tx2"/>
+                    <a:schemeClr val="bg1"/>
                   </a:solidFill>
                 </a:rPr>
                 <a:t>towns</a:t>
@@ -15641,7 +16159,7 @@
               <a:r>
                 <a:rPr lang="de-DE" sz="1200" dirty="0">
                   <a:solidFill>
-                    <a:schemeClr val="tx2"/>
+                    <a:schemeClr val="bg1"/>
                   </a:solidFill>
                 </a:rPr>
                 <a:t> and 14 </a:t>
@@ -15649,7 +16167,7 @@
               <a:r>
                 <a:rPr lang="de-DE" sz="1200" dirty="0" err="1">
                   <a:solidFill>
-                    <a:schemeClr val="tx2"/>
+                    <a:schemeClr val="bg1"/>
                   </a:solidFill>
                 </a:rPr>
                 <a:t>ghost</a:t>
@@ -15657,7 +16175,7 @@
               <a:r>
                 <a:rPr lang="de-DE" sz="1200" dirty="0">
                   <a:solidFill>
-                    <a:schemeClr val="tx2"/>
+                    <a:schemeClr val="bg1"/>
                   </a:solidFill>
                 </a:rPr>
                 <a:t> </a:t>
@@ -15665,14 +16183,14 @@
               <a:r>
                 <a:rPr lang="de-DE" sz="1200" dirty="0" err="1">
                   <a:solidFill>
-                    <a:schemeClr val="tx2"/>
+                    <a:schemeClr val="bg1"/>
                   </a:solidFill>
                 </a:rPr>
                 <a:t>towns</a:t>
               </a:r>
               <a:endParaRPr lang="de-DE" sz="1200" dirty="0">
                 <a:solidFill>
-                  <a:schemeClr val="tx2"/>
+                  <a:schemeClr val="bg1"/>
                 </a:solidFill>
               </a:endParaRPr>
             </a:p>
@@ -15763,6 +16281,40 @@
           </p:spPr>
         </p:pic>
       </p:grpSp>
+      <p:sp>
+        <p:nvSpPr>
+          <p:cNvPr id="14" name="Fußzeilenplatzhalter 4">
+            <a:extLst>
+              <a:ext uri="{FF2B5EF4-FFF2-40B4-BE49-F238E27FC236}">
+                <a16:creationId xmlns:a16="http://schemas.microsoft.com/office/drawing/2014/main" id="{81B1BB22-C242-43D7-8EAB-82E7B608AF99}"/>
+              </a:ext>
+            </a:extLst>
+          </p:cNvPr>
+          <p:cNvSpPr>
+            <a:spLocks noGrp="1"/>
+          </p:cNvSpPr>
+          <p:nvPr>
+            <p:ph type="ftr" sz="quarter" idx="11"/>
+          </p:nvPr>
+        </p:nvSpPr>
+        <p:spPr>
+          <a:xfrm>
+            <a:off x="3124200" y="6453188"/>
+            <a:ext cx="2895600" cy="268287"/>
+          </a:xfrm>
+        </p:spPr>
+        <p:txBody>
+          <a:bodyPr/>
+          <a:lstStyle/>
+          <a:p>
+            <a:r>
+              <a:rPr lang="en-US" altLang="ru-RU" dirty="0"/>
+              <a:t>Designed by PoweredTemplate.com</a:t>
+            </a:r>
+            <a:endParaRPr lang="ru-RU" altLang="ru-RU" dirty="0"/>
+          </a:p>
+        </p:txBody>
+      </p:sp>
     </p:spTree>
     <p:extLst>
       <p:ext uri="{BB962C8B-B14F-4D97-AF65-F5344CB8AC3E}">
@@ -16057,7 +16609,7 @@
                   <a:schemeClr val="tx2"/>
                 </a:solidFill>
               </a:rPr>
-              <a:t>Indicatitors</a:t>
+              <a:t>Indicators</a:t>
             </a:r>
             <a:r>
               <a:rPr lang="de-DE" sz="1200" dirty="0">
@@ -16448,39 +17000,7 @@
                   <a:schemeClr val="tx2"/>
                 </a:solidFill>
               </a:rPr>
-              <a:t> </a:t>
-            </a:r>
-            <a:r>
-              <a:rPr lang="de-DE" sz="1200" dirty="0" err="1">
-                <a:solidFill>
-                  <a:schemeClr val="tx2"/>
-                </a:solidFill>
-              </a:rPr>
-              <a:t>winter</a:t>
-            </a:r>
-            <a:r>
-              <a:rPr lang="de-DE" sz="1200" dirty="0">
-                <a:solidFill>
-                  <a:schemeClr val="tx2"/>
-                </a:solidFill>
-              </a:rPr>
-              <a:t> 2014 and </a:t>
-            </a:r>
-            <a:r>
-              <a:rPr lang="de-DE" sz="1200" dirty="0" err="1">
-                <a:solidFill>
-                  <a:schemeClr val="tx2"/>
-                </a:solidFill>
-              </a:rPr>
-              <a:t>autumn</a:t>
-            </a:r>
-            <a:r>
-              <a:rPr lang="de-DE" sz="1200" dirty="0">
-                <a:solidFill>
-                  <a:schemeClr val="tx2"/>
-                </a:solidFill>
-              </a:rPr>
-              <a:t> 2015</a:t>
+              <a:t> spring 2014 and spring 2015</a:t>
             </a:r>
           </a:p>
           <a:p>
@@ -16781,6 +17301,40 @@
           </a:p>
         </p:txBody>
       </p:sp>
+      <p:sp>
+        <p:nvSpPr>
+          <p:cNvPr id="17" name="Fußzeilenplatzhalter 4">
+            <a:extLst>
+              <a:ext uri="{FF2B5EF4-FFF2-40B4-BE49-F238E27FC236}">
+                <a16:creationId xmlns:a16="http://schemas.microsoft.com/office/drawing/2014/main" id="{F23AF00B-E706-4D25-8BCB-4FCA426C352D}"/>
+              </a:ext>
+            </a:extLst>
+          </p:cNvPr>
+          <p:cNvSpPr>
+            <a:spLocks noGrp="1"/>
+          </p:cNvSpPr>
+          <p:nvPr>
+            <p:ph type="ftr" sz="quarter" idx="11"/>
+          </p:nvPr>
+        </p:nvSpPr>
+        <p:spPr>
+          <a:xfrm>
+            <a:off x="3124200" y="6453188"/>
+            <a:ext cx="2895600" cy="268287"/>
+          </a:xfrm>
+        </p:spPr>
+        <p:txBody>
+          <a:bodyPr/>
+          <a:lstStyle/>
+          <a:p>
+            <a:r>
+              <a:rPr lang="en-US" altLang="ru-RU" dirty="0"/>
+              <a:t>Designed by PoweredTemplate.com</a:t>
+            </a:r>
+            <a:endParaRPr lang="ru-RU" altLang="ru-RU" dirty="0"/>
+          </a:p>
+        </p:txBody>
+      </p:sp>
     </p:spTree>
     <p:extLst>
       <p:ext uri="{BB962C8B-B14F-4D97-AF65-F5344CB8AC3E}">
@@ -17579,7 +18133,7 @@
         </p:blipFill>
         <p:spPr>
           <a:xfrm>
-            <a:off x="6118402" y="2446233"/>
+            <a:off x="6118402" y="2621473"/>
             <a:ext cx="2371967" cy="1743631"/>
           </a:xfrm>
           <a:prstGeom prst="rect">
@@ -17587,6 +18141,40 @@
           </a:prstGeom>
         </p:spPr>
       </p:pic>
+      <p:sp>
+        <p:nvSpPr>
+          <p:cNvPr id="10" name="Fußzeilenplatzhalter 4">
+            <a:extLst>
+              <a:ext uri="{FF2B5EF4-FFF2-40B4-BE49-F238E27FC236}">
+                <a16:creationId xmlns:a16="http://schemas.microsoft.com/office/drawing/2014/main" id="{E355E5FC-D55F-4542-BD93-53AF0E2CC475}"/>
+              </a:ext>
+            </a:extLst>
+          </p:cNvPr>
+          <p:cNvSpPr>
+            <a:spLocks noGrp="1"/>
+          </p:cNvSpPr>
+          <p:nvPr>
+            <p:ph type="ftr" sz="quarter" idx="11"/>
+          </p:nvPr>
+        </p:nvSpPr>
+        <p:spPr>
+          <a:xfrm>
+            <a:off x="3124200" y="6453188"/>
+            <a:ext cx="2895600" cy="268287"/>
+          </a:xfrm>
+        </p:spPr>
+        <p:txBody>
+          <a:bodyPr/>
+          <a:lstStyle/>
+          <a:p>
+            <a:r>
+              <a:rPr lang="en-US" altLang="ru-RU" dirty="0"/>
+              <a:t>Designed by PoweredTemplate.com</a:t>
+            </a:r>
+            <a:endParaRPr lang="ru-RU" altLang="ru-RU" dirty="0"/>
+          </a:p>
+        </p:txBody>
+      </p:sp>
     </p:spTree>
     <p:extLst>
       <p:ext uri="{BB962C8B-B14F-4D97-AF65-F5344CB8AC3E}">
@@ -17756,8 +18344,8 @@
         </p:nvSpPr>
         <p:spPr bwMode="auto">
           <a:xfrm>
-            <a:off x="4499992" y="1484784"/>
-            <a:ext cx="360040" cy="4193282"/>
+            <a:off x="4499992" y="1860176"/>
+            <a:ext cx="360040" cy="3817890"/>
           </a:xfrm>
           <a:prstGeom prst="roundRect">
             <a:avLst/>
@@ -17818,6 +18406,119 @@
               <a:effectLst/>
               <a:latin typeface="Arial" charset="0"/>
             </a:endParaRPr>
+          </a:p>
+        </p:txBody>
+      </p:sp>
+      <p:sp>
+        <p:nvSpPr>
+          <p:cNvPr id="7" name="Textfeld 6">
+            <a:extLst>
+              <a:ext uri="{FF2B5EF4-FFF2-40B4-BE49-F238E27FC236}">
+                <a16:creationId xmlns:a16="http://schemas.microsoft.com/office/drawing/2014/main" id="{CA6294FC-E8C8-41A4-A65A-6A7A74E6CCFF}"/>
+              </a:ext>
+            </a:extLst>
+          </p:cNvPr>
+          <p:cNvSpPr txBox="1"/>
+          <p:nvPr/>
+        </p:nvSpPr>
+        <p:spPr>
+          <a:xfrm>
+            <a:off x="2717776" y="1447097"/>
+            <a:ext cx="5651648" cy="369332"/>
+          </a:xfrm>
+          <a:prstGeom prst="rect">
+            <a:avLst/>
+          </a:prstGeom>
+          <a:noFill/>
+        </p:spPr>
+        <p:txBody>
+          <a:bodyPr wrap="square" rtlCol="0">
+            <a:spAutoFit/>
+          </a:bodyPr>
+          <a:lstStyle/>
+          <a:p>
+            <a:r>
+              <a:rPr lang="de-DE" dirty="0" err="1">
+                <a:solidFill>
+                  <a:schemeClr val="tx2"/>
+                </a:solidFill>
+              </a:rPr>
+              <a:t>Correlation</a:t>
+            </a:r>
+            <a:r>
+              <a:rPr lang="de-DE" dirty="0">
+                <a:solidFill>
+                  <a:schemeClr val="tx2"/>
+                </a:solidFill>
+              </a:rPr>
+              <a:t> </a:t>
+            </a:r>
+            <a:r>
+              <a:rPr lang="de-DE" dirty="0" err="1">
+                <a:solidFill>
+                  <a:schemeClr val="tx2"/>
+                </a:solidFill>
+              </a:rPr>
+              <a:t>between</a:t>
+            </a:r>
+            <a:r>
+              <a:rPr lang="de-DE" dirty="0">
+                <a:solidFill>
+                  <a:schemeClr val="tx2"/>
+                </a:solidFill>
+              </a:rPr>
+              <a:t> </a:t>
+            </a:r>
+            <a:r>
+              <a:rPr lang="de-DE" dirty="0" err="1">
+                <a:solidFill>
+                  <a:schemeClr val="tx2"/>
+                </a:solidFill>
+              </a:rPr>
+              <a:t>the</a:t>
+            </a:r>
+            <a:r>
+              <a:rPr lang="de-DE" dirty="0">
+                <a:solidFill>
+                  <a:schemeClr val="tx2"/>
+                </a:solidFill>
+              </a:rPr>
+              <a:t> variables</a:t>
+            </a:r>
+          </a:p>
+        </p:txBody>
+      </p:sp>
+      <p:sp>
+        <p:nvSpPr>
+          <p:cNvPr id="9" name="Fußzeilenplatzhalter 4">
+            <a:extLst>
+              <a:ext uri="{FF2B5EF4-FFF2-40B4-BE49-F238E27FC236}">
+                <a16:creationId xmlns:a16="http://schemas.microsoft.com/office/drawing/2014/main" id="{880B2CA8-3A59-4FB3-98EF-F70956AA5167}"/>
+              </a:ext>
+            </a:extLst>
+          </p:cNvPr>
+          <p:cNvSpPr>
+            <a:spLocks noGrp="1"/>
+          </p:cNvSpPr>
+          <p:nvPr>
+            <p:ph type="ftr" sz="quarter" idx="11"/>
+          </p:nvPr>
+        </p:nvSpPr>
+        <p:spPr>
+          <a:xfrm>
+            <a:off x="3124200" y="6453188"/>
+            <a:ext cx="2895600" cy="268287"/>
+          </a:xfrm>
+        </p:spPr>
+        <p:txBody>
+          <a:bodyPr/>
+          <a:lstStyle/>
+          <a:p>
+            <a:r>
+              <a:rPr lang="en-US" altLang="ru-RU" dirty="0"/>
+              <a:t>Designed by PoweredTemplate.com</a:t>
+            </a:r>
+            <a:endParaRPr lang="ru-RU" altLang="ru-RU" dirty="0"/>
           </a:p>
         </p:txBody>
       </p:sp>
@@ -17955,7 +18656,7 @@
           <a:p>
             <a:fld id="{1DC2B165-2EE1-4FB2-B9BF-05EE26C42DCD}" type="datetime1">
               <a:rPr lang="en-US" altLang="ru-RU" smtClean="0"/>
-              <a:t>6/10/2020</a:t>
+              <a:t>6/11/2020</a:t>
             </a:fld>
             <a:endParaRPr lang="ru-RU" altLang="ru-RU"/>
           </a:p>
@@ -18498,7 +19199,7 @@
                   <a:schemeClr val="tx2"/>
                 </a:solidFill>
               </a:rPr>
-              <a:t>s,aller</a:t>
+              <a:t>smaller</a:t>
             </a:r>
             <a:endParaRPr lang="de-DE" sz="1200" dirty="0">
               <a:solidFill>
@@ -18774,6 +19475,40 @@
                 <a:schemeClr val="tx2"/>
               </a:solidFill>
             </a:endParaRPr>
+          </a:p>
+        </p:txBody>
+      </p:sp>
+      <p:sp>
+        <p:nvSpPr>
+          <p:cNvPr id="11" name="Fußzeilenplatzhalter 4">
+            <a:extLst>
+              <a:ext uri="{FF2B5EF4-FFF2-40B4-BE49-F238E27FC236}">
+                <a16:creationId xmlns:a16="http://schemas.microsoft.com/office/drawing/2014/main" id="{E5315E14-478E-498A-BD23-BF1DFB4D9D5B}"/>
+              </a:ext>
+            </a:extLst>
+          </p:cNvPr>
+          <p:cNvSpPr>
+            <a:spLocks noGrp="1"/>
+          </p:cNvSpPr>
+          <p:nvPr>
+            <p:ph type="ftr" sz="quarter" idx="11"/>
+          </p:nvPr>
+        </p:nvSpPr>
+        <p:spPr>
+          <a:xfrm>
+            <a:off x="3124200" y="6453188"/>
+            <a:ext cx="2895600" cy="268287"/>
+          </a:xfrm>
+        </p:spPr>
+        <p:txBody>
+          <a:bodyPr/>
+          <a:lstStyle/>
+          <a:p>
+            <a:r>
+              <a:rPr lang="en-US" altLang="ru-RU" dirty="0"/>
+              <a:t>Designed by PoweredTemplate.com</a:t>
+            </a:r>
+            <a:endParaRPr lang="ru-RU" altLang="ru-RU" dirty="0"/>
           </a:p>
         </p:txBody>
       </p:sp>
@@ -18895,7 +19630,7 @@
           <a:p>
             <a:fld id="{1DC2B165-2EE1-4FB2-B9BF-05EE26C42DCD}" type="datetime1">
               <a:rPr lang="en-US" altLang="ru-RU" smtClean="0"/>
-              <a:t>6/10/2020</a:t>
+              <a:t>6/11/2020</a:t>
             </a:fld>
             <a:endParaRPr lang="ru-RU" altLang="ru-RU"/>
           </a:p>
@@ -19030,6 +19765,40 @@
           </a:prstGeom>
         </p:spPr>
       </p:pic>
+      <p:sp>
+        <p:nvSpPr>
+          <p:cNvPr id="11" name="Fußzeilenplatzhalter 4">
+            <a:extLst>
+              <a:ext uri="{FF2B5EF4-FFF2-40B4-BE49-F238E27FC236}">
+                <a16:creationId xmlns:a16="http://schemas.microsoft.com/office/drawing/2014/main" id="{250DA29C-C74C-4B9E-A8C1-6161134802E6}"/>
+              </a:ext>
+            </a:extLst>
+          </p:cNvPr>
+          <p:cNvSpPr>
+            <a:spLocks noGrp="1"/>
+          </p:cNvSpPr>
+          <p:nvPr>
+            <p:ph type="ftr" sz="quarter" idx="11"/>
+          </p:nvPr>
+        </p:nvSpPr>
+        <p:spPr>
+          <a:xfrm>
+            <a:off x="3124200" y="6453188"/>
+            <a:ext cx="2895600" cy="268287"/>
+          </a:xfrm>
+        </p:spPr>
+        <p:txBody>
+          <a:bodyPr/>
+          <a:lstStyle/>
+          <a:p>
+            <a:r>
+              <a:rPr lang="en-US" altLang="ru-RU" dirty="0"/>
+              <a:t>Designed by PoweredTemplate.com</a:t>
+            </a:r>
+            <a:endParaRPr lang="ru-RU" altLang="ru-RU" dirty="0"/>
+          </a:p>
+        </p:txBody>
+      </p:sp>
     </p:spTree>
     <p:extLst>
       <p:ext uri="{BB962C8B-B14F-4D97-AF65-F5344CB8AC3E}">
